--- a/MCTV Limited presentation.pptx
+++ b/MCTV Limited presentation.pptx
@@ -9,9 +9,16 @@
     <p:sldId id="257" r:id="rId3"/>
     <p:sldId id="258" r:id="rId4"/>
     <p:sldId id="259" r:id="rId5"/>
-    <p:sldId id="260" r:id="rId6"/>
-    <p:sldId id="261" r:id="rId7"/>
-    <p:sldId id="262" r:id="rId8"/>
+    <p:sldId id="263" r:id="rId6"/>
+    <p:sldId id="264" r:id="rId7"/>
+    <p:sldId id="265" r:id="rId8"/>
+    <p:sldId id="267" r:id="rId9"/>
+    <p:sldId id="266" r:id="rId10"/>
+    <p:sldId id="269" r:id="rId11"/>
+    <p:sldId id="268" r:id="rId12"/>
+    <p:sldId id="260" r:id="rId13"/>
+    <p:sldId id="261" r:id="rId14"/>
+    <p:sldId id="262" r:id="rId15"/>
   </p:sldIdLst>
   <p:sldSz cx="12192000" cy="6858000"/>
   <p:notesSz cx="6858000" cy="9144000"/>
@@ -110,6 +117,11 @@
       </a:defRPr>
     </a:lvl9pPr>
   </p:defaultTextStyle>
+  <p:extLst>
+    <p:ext uri="{EFAFB233-063F-42B5-8137-9DF3F51BA10A}">
+      <p15:sldGuideLst xmlns:p15="http://schemas.microsoft.com/office/powerpoint/2012/main"/>
+    </p:ext>
+  </p:extLst>
 </p:presentation>
 </file>
 
@@ -5917,7 +5929,7 @@
             </a:r>
             <a:r>
               <a:rPr lang="en-IE" sz="2400" dirty="0"/>
-              <a:t> Avram(x17…)</a:t>
+              <a:t> Avram(x17448556)</a:t>
             </a:r>
           </a:p>
         </p:txBody>
@@ -5926,6 +5938,525 @@
     <p:extLst>
       <p:ext uri="{BB962C8B-B14F-4D97-AF65-F5344CB8AC3E}">
         <p14:creationId xmlns:p14="http://schemas.microsoft.com/office/powerpoint/2010/main" val="1457479271"/>
+      </p:ext>
+    </p:extLst>
+  </p:cSld>
+  <p:clrMapOvr>
+    <a:masterClrMapping/>
+  </p:clrMapOvr>
+</p:sld>
+</file>
+
+<file path=ppt/slides/slide10.xml><?xml version="1.0" encoding="utf-8"?>
+<p:sld xmlns:a="http://schemas.openxmlformats.org/drawingml/2006/main" xmlns:r="http://schemas.openxmlformats.org/officeDocument/2006/relationships" xmlns:p="http://schemas.openxmlformats.org/presentationml/2006/main">
+  <p:cSld>
+    <p:spTree>
+      <p:nvGrpSpPr>
+        <p:cNvPr id="1" name=""/>
+        <p:cNvGrpSpPr/>
+        <p:nvPr/>
+      </p:nvGrpSpPr>
+      <p:grpSpPr>
+        <a:xfrm>
+          <a:off x="0" y="0"/>
+          <a:ext cx="0" cy="0"/>
+          <a:chOff x="0" y="0"/>
+          <a:chExt cx="0" cy="0"/>
+        </a:xfrm>
+      </p:grpSpPr>
+      <p:sp>
+        <p:nvSpPr>
+          <p:cNvPr id="2" name="Title 1">
+            <a:extLst>
+              <a:ext uri="{FF2B5EF4-FFF2-40B4-BE49-F238E27FC236}">
+                <a16:creationId xmlns:a16="http://schemas.microsoft.com/office/drawing/2014/main" id="{54336C32-1B0C-458C-9B49-9E216C65F83B}"/>
+              </a:ext>
+            </a:extLst>
+          </p:cNvPr>
+          <p:cNvSpPr>
+            <a:spLocks noGrp="1"/>
+          </p:cNvSpPr>
+          <p:nvPr>
+            <p:ph type="title"/>
+          </p:nvPr>
+        </p:nvSpPr>
+        <p:spPr/>
+        <p:txBody>
+          <a:bodyPr/>
+          <a:lstStyle/>
+          <a:p>
+            <a:pPr algn="ctr"/>
+            <a:r>
+              <a:rPr lang="en-IE" dirty="0"/>
+              <a:t>Overview of Database/UML</a:t>
+            </a:r>
+          </a:p>
+        </p:txBody>
+      </p:sp>
+      <p:sp>
+        <p:nvSpPr>
+          <p:cNvPr id="3" name="Content Placeholder 2">
+            <a:extLst>
+              <a:ext uri="{FF2B5EF4-FFF2-40B4-BE49-F238E27FC236}">
+                <a16:creationId xmlns:a16="http://schemas.microsoft.com/office/drawing/2014/main" id="{C3AA1346-E67B-4E9F-821E-5D7941243D4E}"/>
+              </a:ext>
+            </a:extLst>
+          </p:cNvPr>
+          <p:cNvSpPr>
+            <a:spLocks noGrp="1"/>
+          </p:cNvSpPr>
+          <p:nvPr>
+            <p:ph idx="1"/>
+          </p:nvPr>
+        </p:nvSpPr>
+        <p:spPr>
+          <a:xfrm>
+            <a:off x="232100" y="1241081"/>
+            <a:ext cx="8321057" cy="689319"/>
+          </a:xfrm>
+        </p:spPr>
+        <p:txBody>
+          <a:bodyPr>
+            <a:normAutofit/>
+          </a:bodyPr>
+          <a:lstStyle/>
+          <a:p>
+            <a:r>
+              <a:rPr lang="en-IE" sz="2800" dirty="0"/>
+              <a:t>UML description by </a:t>
+            </a:r>
+            <a:r>
+              <a:rPr lang="en-IE" sz="2800" dirty="0" err="1"/>
+              <a:t>Ioana</a:t>
+            </a:r>
+            <a:r>
+              <a:rPr lang="en-IE" sz="2800" dirty="0"/>
+              <a:t>:</a:t>
+            </a:r>
+          </a:p>
+        </p:txBody>
+      </p:sp>
+      <p:pic>
+        <p:nvPicPr>
+          <p:cNvPr id="6" name="Picture 5">
+            <a:extLst>
+              <a:ext uri="{FF2B5EF4-FFF2-40B4-BE49-F238E27FC236}">
+                <a16:creationId xmlns:a16="http://schemas.microsoft.com/office/drawing/2014/main" id="{00C60BAA-FFF0-4CCC-A53C-F40AD0B283CB}"/>
+              </a:ext>
+            </a:extLst>
+          </p:cNvPr>
+          <p:cNvPicPr>
+            <a:picLocks noChangeAspect="1"/>
+          </p:cNvPicPr>
+          <p:nvPr/>
+        </p:nvPicPr>
+        <p:blipFill>
+          <a:blip r:embed="rId2">
+            <a:extLst>
+              <a:ext uri="{28A0092B-C50C-407E-A947-70E740481C1C}">
+                <a14:useLocalDpi xmlns:a14="http://schemas.microsoft.com/office/drawing/2010/main" val="0"/>
+              </a:ext>
+            </a:extLst>
+          </a:blip>
+          <a:stretch>
+            <a:fillRect/>
+          </a:stretch>
+        </p:blipFill>
+        <p:spPr>
+          <a:xfrm>
+            <a:off x="367075" y="1733453"/>
+            <a:ext cx="9217185" cy="4806050"/>
+          </a:xfrm>
+          <a:prstGeom prst="rect">
+            <a:avLst/>
+          </a:prstGeom>
+        </p:spPr>
+      </p:pic>
+    </p:spTree>
+    <p:extLst>
+      <p:ext uri="{BB962C8B-B14F-4D97-AF65-F5344CB8AC3E}">
+        <p14:creationId xmlns:p14="http://schemas.microsoft.com/office/powerpoint/2010/main" val="4024902989"/>
+      </p:ext>
+    </p:extLst>
+  </p:cSld>
+  <p:clrMapOvr>
+    <a:masterClrMapping/>
+  </p:clrMapOvr>
+</p:sld>
+</file>
+
+<file path=ppt/slides/slide11.xml><?xml version="1.0" encoding="utf-8"?>
+<p:sld xmlns:a="http://schemas.openxmlformats.org/drawingml/2006/main" xmlns:r="http://schemas.openxmlformats.org/officeDocument/2006/relationships" xmlns:p="http://schemas.openxmlformats.org/presentationml/2006/main">
+  <p:cSld>
+    <p:spTree>
+      <p:nvGrpSpPr>
+        <p:cNvPr id="1" name=""/>
+        <p:cNvGrpSpPr/>
+        <p:nvPr/>
+      </p:nvGrpSpPr>
+      <p:grpSpPr>
+        <a:xfrm>
+          <a:off x="0" y="0"/>
+          <a:ext cx="0" cy="0"/>
+          <a:chOff x="0" y="0"/>
+          <a:chExt cx="0" cy="0"/>
+        </a:xfrm>
+      </p:grpSpPr>
+      <p:sp>
+        <p:nvSpPr>
+          <p:cNvPr id="2" name="Title 1">
+            <a:extLst>
+              <a:ext uri="{FF2B5EF4-FFF2-40B4-BE49-F238E27FC236}">
+                <a16:creationId xmlns:a16="http://schemas.microsoft.com/office/drawing/2014/main" id="{54336C32-1B0C-458C-9B49-9E216C65F83B}"/>
+              </a:ext>
+            </a:extLst>
+          </p:cNvPr>
+          <p:cNvSpPr>
+            <a:spLocks noGrp="1"/>
+          </p:cNvSpPr>
+          <p:nvPr>
+            <p:ph type="title"/>
+          </p:nvPr>
+        </p:nvSpPr>
+        <p:spPr/>
+        <p:txBody>
+          <a:bodyPr/>
+          <a:lstStyle/>
+          <a:p>
+            <a:pPr algn="ctr"/>
+            <a:r>
+              <a:rPr lang="en-IE" dirty="0"/>
+              <a:t>Overview of Database/UML</a:t>
+            </a:r>
+          </a:p>
+        </p:txBody>
+      </p:sp>
+      <p:sp>
+        <p:nvSpPr>
+          <p:cNvPr id="3" name="Content Placeholder 2">
+            <a:extLst>
+              <a:ext uri="{FF2B5EF4-FFF2-40B4-BE49-F238E27FC236}">
+                <a16:creationId xmlns:a16="http://schemas.microsoft.com/office/drawing/2014/main" id="{C3AA1346-E67B-4E9F-821E-5D7941243D4E}"/>
+              </a:ext>
+            </a:extLst>
+          </p:cNvPr>
+          <p:cNvSpPr>
+            <a:spLocks noGrp="1"/>
+          </p:cNvSpPr>
+          <p:nvPr>
+            <p:ph idx="1"/>
+          </p:nvPr>
+        </p:nvSpPr>
+        <p:spPr>
+          <a:xfrm>
+            <a:off x="232100" y="1241081"/>
+            <a:ext cx="8321057" cy="689319"/>
+          </a:xfrm>
+        </p:spPr>
+        <p:txBody>
+          <a:bodyPr>
+            <a:normAutofit/>
+          </a:bodyPr>
+          <a:lstStyle/>
+          <a:p>
+            <a:r>
+              <a:rPr lang="en-IE" sz="2800" dirty="0"/>
+              <a:t>UML description by Remigija:</a:t>
+            </a:r>
+          </a:p>
+        </p:txBody>
+      </p:sp>
+      <p:pic>
+        <p:nvPicPr>
+          <p:cNvPr id="8" name="Picture 7">
+            <a:extLst>
+              <a:ext uri="{FF2B5EF4-FFF2-40B4-BE49-F238E27FC236}">
+                <a16:creationId xmlns:a16="http://schemas.microsoft.com/office/drawing/2014/main" id="{550C3779-1D15-4F28-84B7-1BAA664FCAA6}"/>
+              </a:ext>
+            </a:extLst>
+          </p:cNvPr>
+          <p:cNvPicPr>
+            <a:picLocks noChangeAspect="1"/>
+          </p:cNvPicPr>
+          <p:nvPr/>
+        </p:nvPicPr>
+        <p:blipFill rotWithShape="1">
+          <a:blip r:embed="rId2">
+            <a:extLst>
+              <a:ext uri="{28A0092B-C50C-407E-A947-70E740481C1C}">
+                <a14:useLocalDpi xmlns:a14="http://schemas.microsoft.com/office/drawing/2010/main" val="0"/>
+              </a:ext>
+            </a:extLst>
+          </a:blip>
+          <a:srcRect l="3251" t="2627" b="1583"/>
+          <a:stretch/>
+        </p:blipFill>
+        <p:spPr>
+          <a:xfrm>
+            <a:off x="338517" y="1930399"/>
+            <a:ext cx="9499717" cy="4611077"/>
+          </a:xfrm>
+          <a:prstGeom prst="rect">
+            <a:avLst/>
+          </a:prstGeom>
+        </p:spPr>
+      </p:pic>
+    </p:spTree>
+    <p:extLst>
+      <p:ext uri="{BB962C8B-B14F-4D97-AF65-F5344CB8AC3E}">
+        <p14:creationId xmlns:p14="http://schemas.microsoft.com/office/powerpoint/2010/main" val="1406252108"/>
+      </p:ext>
+    </p:extLst>
+  </p:cSld>
+  <p:clrMapOvr>
+    <a:masterClrMapping/>
+  </p:clrMapOvr>
+</p:sld>
+</file>
+
+<file path=ppt/slides/slide12.xml><?xml version="1.0" encoding="utf-8"?>
+<p:sld xmlns:a="http://schemas.openxmlformats.org/drawingml/2006/main" xmlns:r="http://schemas.openxmlformats.org/officeDocument/2006/relationships" xmlns:p="http://schemas.openxmlformats.org/presentationml/2006/main">
+  <p:cSld>
+    <p:spTree>
+      <p:nvGrpSpPr>
+        <p:cNvPr id="1" name=""/>
+        <p:cNvGrpSpPr/>
+        <p:nvPr/>
+      </p:nvGrpSpPr>
+      <p:grpSpPr>
+        <a:xfrm>
+          <a:off x="0" y="0"/>
+          <a:ext cx="0" cy="0"/>
+          <a:chOff x="0" y="0"/>
+          <a:chExt cx="0" cy="0"/>
+        </a:xfrm>
+      </p:grpSpPr>
+      <p:sp>
+        <p:nvSpPr>
+          <p:cNvPr id="2" name="Title 1">
+            <a:extLst>
+              <a:ext uri="{FF2B5EF4-FFF2-40B4-BE49-F238E27FC236}">
+                <a16:creationId xmlns:a16="http://schemas.microsoft.com/office/drawing/2014/main" id="{F5EBEE3D-593B-4451-B27D-AF52BA32B05A}"/>
+              </a:ext>
+            </a:extLst>
+          </p:cNvPr>
+          <p:cNvSpPr>
+            <a:spLocks noGrp="1"/>
+          </p:cNvSpPr>
+          <p:nvPr>
+            <p:ph type="title"/>
+          </p:nvPr>
+        </p:nvSpPr>
+        <p:spPr/>
+        <p:txBody>
+          <a:bodyPr/>
+          <a:lstStyle/>
+          <a:p>
+            <a:pPr algn="ctr"/>
+            <a:r>
+              <a:rPr lang="en-IE" dirty="0"/>
+              <a:t>Software investigated</a:t>
+            </a:r>
+          </a:p>
+        </p:txBody>
+      </p:sp>
+      <p:sp>
+        <p:nvSpPr>
+          <p:cNvPr id="3" name="Content Placeholder 2">
+            <a:extLst>
+              <a:ext uri="{FF2B5EF4-FFF2-40B4-BE49-F238E27FC236}">
+                <a16:creationId xmlns:a16="http://schemas.microsoft.com/office/drawing/2014/main" id="{8A6F9EC9-10C3-4CD0-A0D6-A7BF713077A4}"/>
+              </a:ext>
+            </a:extLst>
+          </p:cNvPr>
+          <p:cNvSpPr>
+            <a:spLocks noGrp="1"/>
+          </p:cNvSpPr>
+          <p:nvPr>
+            <p:ph idx="1"/>
+          </p:nvPr>
+        </p:nvSpPr>
+        <p:spPr/>
+        <p:txBody>
+          <a:bodyPr/>
+          <a:lstStyle/>
+          <a:p>
+            <a:endParaRPr lang="en-IE"/>
+          </a:p>
+        </p:txBody>
+      </p:sp>
+    </p:spTree>
+    <p:extLst>
+      <p:ext uri="{BB962C8B-B14F-4D97-AF65-F5344CB8AC3E}">
+        <p14:creationId xmlns:p14="http://schemas.microsoft.com/office/powerpoint/2010/main" val="2279702341"/>
+      </p:ext>
+    </p:extLst>
+  </p:cSld>
+  <p:clrMapOvr>
+    <a:masterClrMapping/>
+  </p:clrMapOvr>
+</p:sld>
+</file>
+
+<file path=ppt/slides/slide13.xml><?xml version="1.0" encoding="utf-8"?>
+<p:sld xmlns:a="http://schemas.openxmlformats.org/drawingml/2006/main" xmlns:r="http://schemas.openxmlformats.org/officeDocument/2006/relationships" xmlns:p="http://schemas.openxmlformats.org/presentationml/2006/main">
+  <p:cSld>
+    <p:spTree>
+      <p:nvGrpSpPr>
+        <p:cNvPr id="1" name=""/>
+        <p:cNvGrpSpPr/>
+        <p:nvPr/>
+      </p:nvGrpSpPr>
+      <p:grpSpPr>
+        <a:xfrm>
+          <a:off x="0" y="0"/>
+          <a:ext cx="0" cy="0"/>
+          <a:chOff x="0" y="0"/>
+          <a:chExt cx="0" cy="0"/>
+        </a:xfrm>
+      </p:grpSpPr>
+      <p:sp>
+        <p:nvSpPr>
+          <p:cNvPr id="2" name="Title 1">
+            <a:extLst>
+              <a:ext uri="{FF2B5EF4-FFF2-40B4-BE49-F238E27FC236}">
+                <a16:creationId xmlns:a16="http://schemas.microsoft.com/office/drawing/2014/main" id="{6A149551-0DE8-49C5-807E-0858733DB60D}"/>
+              </a:ext>
+            </a:extLst>
+          </p:cNvPr>
+          <p:cNvSpPr>
+            <a:spLocks noGrp="1"/>
+          </p:cNvSpPr>
+          <p:nvPr>
+            <p:ph type="title"/>
+          </p:nvPr>
+        </p:nvSpPr>
+        <p:spPr/>
+        <p:txBody>
+          <a:bodyPr/>
+          <a:lstStyle/>
+          <a:p>
+            <a:pPr algn="ctr"/>
+            <a:r>
+              <a:rPr lang="en-IE" dirty="0"/>
+              <a:t>Branding </a:t>
+            </a:r>
+          </a:p>
+        </p:txBody>
+      </p:sp>
+      <p:sp>
+        <p:nvSpPr>
+          <p:cNvPr id="3" name="Content Placeholder 2">
+            <a:extLst>
+              <a:ext uri="{FF2B5EF4-FFF2-40B4-BE49-F238E27FC236}">
+                <a16:creationId xmlns:a16="http://schemas.microsoft.com/office/drawing/2014/main" id="{283E3A68-0B86-413D-9C07-B34B48EEF478}"/>
+              </a:ext>
+            </a:extLst>
+          </p:cNvPr>
+          <p:cNvSpPr>
+            <a:spLocks noGrp="1"/>
+          </p:cNvSpPr>
+          <p:nvPr>
+            <p:ph idx="1"/>
+          </p:nvPr>
+        </p:nvSpPr>
+        <p:spPr/>
+        <p:txBody>
+          <a:bodyPr/>
+          <a:lstStyle/>
+          <a:p>
+            <a:endParaRPr lang="en-IE"/>
+          </a:p>
+        </p:txBody>
+      </p:sp>
+    </p:spTree>
+    <p:extLst>
+      <p:ext uri="{BB962C8B-B14F-4D97-AF65-F5344CB8AC3E}">
+        <p14:creationId xmlns:p14="http://schemas.microsoft.com/office/powerpoint/2010/main" val="2548573521"/>
+      </p:ext>
+    </p:extLst>
+  </p:cSld>
+  <p:clrMapOvr>
+    <a:masterClrMapping/>
+  </p:clrMapOvr>
+</p:sld>
+</file>
+
+<file path=ppt/slides/slide14.xml><?xml version="1.0" encoding="utf-8"?>
+<p:sld xmlns:a="http://schemas.openxmlformats.org/drawingml/2006/main" xmlns:r="http://schemas.openxmlformats.org/officeDocument/2006/relationships" xmlns:p="http://schemas.openxmlformats.org/presentationml/2006/main">
+  <p:cSld>
+    <p:spTree>
+      <p:nvGrpSpPr>
+        <p:cNvPr id="1" name=""/>
+        <p:cNvGrpSpPr/>
+        <p:nvPr/>
+      </p:nvGrpSpPr>
+      <p:grpSpPr>
+        <a:xfrm>
+          <a:off x="0" y="0"/>
+          <a:ext cx="0" cy="0"/>
+          <a:chOff x="0" y="0"/>
+          <a:chExt cx="0" cy="0"/>
+        </a:xfrm>
+      </p:grpSpPr>
+      <p:sp>
+        <p:nvSpPr>
+          <p:cNvPr id="2" name="Title 1">
+            <a:extLst>
+              <a:ext uri="{FF2B5EF4-FFF2-40B4-BE49-F238E27FC236}">
+                <a16:creationId xmlns:a16="http://schemas.microsoft.com/office/drawing/2014/main" id="{D51A5983-ACAF-41AC-9E44-3C96BE55C78D}"/>
+              </a:ext>
+            </a:extLst>
+          </p:cNvPr>
+          <p:cNvSpPr>
+            <a:spLocks noGrp="1"/>
+          </p:cNvSpPr>
+          <p:nvPr>
+            <p:ph type="title"/>
+          </p:nvPr>
+        </p:nvSpPr>
+        <p:spPr/>
+        <p:txBody>
+          <a:bodyPr/>
+          <a:lstStyle/>
+          <a:p>
+            <a:pPr algn="ctr"/>
+            <a:r>
+              <a:rPr lang="en-IE" dirty="0"/>
+              <a:t>Conclusion</a:t>
+            </a:r>
+          </a:p>
+        </p:txBody>
+      </p:sp>
+      <p:sp>
+        <p:nvSpPr>
+          <p:cNvPr id="3" name="Content Placeholder 2">
+            <a:extLst>
+              <a:ext uri="{FF2B5EF4-FFF2-40B4-BE49-F238E27FC236}">
+                <a16:creationId xmlns:a16="http://schemas.microsoft.com/office/drawing/2014/main" id="{21F19F95-2439-4550-8772-9055AA970ED5}"/>
+              </a:ext>
+            </a:extLst>
+          </p:cNvPr>
+          <p:cNvSpPr>
+            <a:spLocks noGrp="1"/>
+          </p:cNvSpPr>
+          <p:nvPr>
+            <p:ph idx="1"/>
+          </p:nvPr>
+        </p:nvSpPr>
+        <p:spPr/>
+        <p:txBody>
+          <a:bodyPr/>
+          <a:lstStyle/>
+          <a:p>
+            <a:endParaRPr lang="en-IE"/>
+          </a:p>
+        </p:txBody>
+      </p:sp>
+    </p:spTree>
+    <p:extLst>
+      <p:ext uri="{BB962C8B-B14F-4D97-AF65-F5344CB8AC3E}">
+        <p14:creationId xmlns:p14="http://schemas.microsoft.com/office/powerpoint/2010/main" val="343262027"/>
       </p:ext>
     </p:extLst>
   </p:cSld>
@@ -5997,12 +6528,47 @@
             <p:ph idx="1"/>
           </p:nvPr>
         </p:nvSpPr>
-        <p:spPr/>
+        <p:spPr>
+          <a:xfrm>
+            <a:off x="787790" y="1814733"/>
+            <a:ext cx="8486211" cy="4226630"/>
+          </a:xfrm>
+        </p:spPr>
         <p:txBody>
           <a:bodyPr/>
           <a:lstStyle/>
           <a:p>
-            <a:endParaRPr lang="en-IE"/>
+            <a:r>
+              <a:rPr lang="en-IE" sz="2800" dirty="0"/>
+              <a:t>MCTV limited is a small retail company located in Limerick.</a:t>
+            </a:r>
+          </a:p>
+          <a:p>
+            <a:r>
+              <a:rPr lang="en-IE" sz="2800" dirty="0"/>
+              <a:t>Main products of this company are TV’s.</a:t>
+            </a:r>
+          </a:p>
+          <a:p>
+            <a:r>
+              <a:rPr lang="en-IE" sz="2800" dirty="0"/>
+              <a:t>Company was created by Michael Cooney and his wife Doreen. </a:t>
+            </a:r>
+          </a:p>
+          <a:p>
+            <a:r>
+              <a:rPr lang="en-IE" sz="2800" dirty="0"/>
+              <a:t>The staff consists of 5 people currently. </a:t>
+            </a:r>
+          </a:p>
+          <a:p>
+            <a:r>
+              <a:rPr lang="en-IE" sz="2800" dirty="0"/>
+              <a:t>4 out of 5 staff members are family members. </a:t>
+            </a:r>
+          </a:p>
+          <a:p>
+            <a:endParaRPr lang="en-IE" dirty="0"/>
           </a:p>
         </p:txBody>
       </p:sp>
@@ -6086,7 +6652,7 @@
           <a:bodyPr/>
           <a:lstStyle/>
           <a:p>
-            <a:endParaRPr lang="en-IE"/>
+            <a:endParaRPr lang="en-IE" dirty="0"/>
           </a:p>
         </p:txBody>
       </p:sp>
@@ -6120,6 +6686,70 @@
           <a:chExt cx="0" cy="0"/>
         </a:xfrm>
       </p:grpSpPr>
+      <p:pic>
+        <p:nvPicPr>
+          <p:cNvPr id="5" name="Picture 4">
+            <a:extLst>
+              <a:ext uri="{FF2B5EF4-FFF2-40B4-BE49-F238E27FC236}">
+                <a16:creationId xmlns:a16="http://schemas.microsoft.com/office/drawing/2014/main" id="{1DFFFA59-A225-4E30-80A7-A9D914440EAE}"/>
+              </a:ext>
+            </a:extLst>
+          </p:cNvPr>
+          <p:cNvPicPr>
+            <a:picLocks noChangeAspect="1"/>
+          </p:cNvPicPr>
+          <p:nvPr/>
+        </p:nvPicPr>
+        <p:blipFill>
+          <a:blip r:embed="rId2">
+            <a:extLst>
+              <a:ext uri="{28A0092B-C50C-407E-A947-70E740481C1C}">
+                <a14:useLocalDpi xmlns:a14="http://schemas.microsoft.com/office/drawing/2010/main" val="0"/>
+              </a:ext>
+            </a:extLst>
+          </a:blip>
+          <a:stretch>
+            <a:fillRect/>
+          </a:stretch>
+        </p:blipFill>
+        <p:spPr>
+          <a:xfrm>
+            <a:off x="677334" y="2124222"/>
+            <a:ext cx="7596356" cy="4361073"/>
+          </a:xfrm>
+          <a:prstGeom prst="snip2DiagRect">
+            <a:avLst/>
+          </a:prstGeom>
+          <a:solidFill>
+            <a:srgbClr val="FFFFFF">
+              <a:shade val="85000"/>
+            </a:srgbClr>
+          </a:solidFill>
+          <a:ln w="88900" cap="sq">
+            <a:noFill/>
+            <a:miter lim="800000"/>
+          </a:ln>
+          <a:effectLst>
+            <a:outerShdw blurRad="88900" algn="tl" rotWithShape="0">
+              <a:srgbClr val="000000">
+                <a:alpha val="45000"/>
+              </a:srgbClr>
+            </a:outerShdw>
+          </a:effectLst>
+          <a:scene3d>
+            <a:camera prst="orthographicFront"/>
+            <a:lightRig rig="twoPt" dir="t">
+              <a:rot lat="0" lon="0" rev="7200000"/>
+            </a:lightRig>
+          </a:scene3d>
+          <a:sp3d>
+            <a:bevelT w="25400" h="19050"/>
+            <a:contourClr>
+              <a:srgbClr val="FFFFFF"/>
+            </a:contourClr>
+          </a:sp3d>
+        </p:spPr>
+      </p:pic>
       <p:sp>
         <p:nvSpPr>
           <p:cNvPr id="2" name="Title 1">
@@ -6165,12 +6795,22 @@
             <p:ph idx="1"/>
           </p:nvPr>
         </p:nvSpPr>
-        <p:spPr/>
-        <p:txBody>
-          <a:bodyPr/>
-          <a:lstStyle/>
-          <a:p>
-            <a:endParaRPr lang="en-IE"/>
+        <p:spPr>
+          <a:xfrm>
+            <a:off x="564793" y="1488613"/>
+            <a:ext cx="7327182" cy="635609"/>
+          </a:xfrm>
+        </p:spPr>
+        <p:txBody>
+          <a:bodyPr>
+            <a:normAutofit/>
+          </a:bodyPr>
+          <a:lstStyle/>
+          <a:p>
+            <a:r>
+              <a:rPr lang="en-IE" sz="2800" dirty="0"/>
+              <a:t>Main Menu of the Database:</a:t>
+            </a:r>
           </a:p>
         </p:txBody>
       </p:sp>
@@ -6204,12 +6844,48 @@
           <a:chExt cx="0" cy="0"/>
         </a:xfrm>
       </p:grpSpPr>
+      <p:pic>
+        <p:nvPicPr>
+          <p:cNvPr id="6" name="Picture 5">
+            <a:extLst>
+              <a:ext uri="{FF2B5EF4-FFF2-40B4-BE49-F238E27FC236}">
+                <a16:creationId xmlns:a16="http://schemas.microsoft.com/office/drawing/2014/main" id="{EA1108D0-89E3-4BD4-AC46-F6BBA117C28A}"/>
+              </a:ext>
+            </a:extLst>
+          </p:cNvPr>
+          <p:cNvPicPr>
+            <a:picLocks noChangeAspect="1"/>
+          </p:cNvPicPr>
+          <p:nvPr/>
+        </p:nvPicPr>
+        <p:blipFill>
+          <a:blip r:embed="rId2">
+            <a:extLst>
+              <a:ext uri="{28A0092B-C50C-407E-A947-70E740481C1C}">
+                <a14:useLocalDpi xmlns:a14="http://schemas.microsoft.com/office/drawing/2010/main" val="0"/>
+              </a:ext>
+            </a:extLst>
+          </a:blip>
+          <a:stretch>
+            <a:fillRect/>
+          </a:stretch>
+        </p:blipFill>
+        <p:spPr>
+          <a:xfrm>
+            <a:off x="181597" y="2370013"/>
+            <a:ext cx="11063198" cy="3735365"/>
+          </a:xfrm>
+          <a:prstGeom prst="rect">
+            <a:avLst/>
+          </a:prstGeom>
+        </p:spPr>
+      </p:pic>
       <p:sp>
         <p:nvSpPr>
           <p:cNvPr id="2" name="Title 1">
             <a:extLst>
               <a:ext uri="{FF2B5EF4-FFF2-40B4-BE49-F238E27FC236}">
-                <a16:creationId xmlns:a16="http://schemas.microsoft.com/office/drawing/2014/main" id="{F5EBEE3D-593B-4451-B27D-AF52BA32B05A}"/>
+                <a16:creationId xmlns:a16="http://schemas.microsoft.com/office/drawing/2014/main" id="{54336C32-1B0C-458C-9B49-9E216C65F83B}"/>
               </a:ext>
             </a:extLst>
           </p:cNvPr>
@@ -6228,7 +6904,7 @@
             <a:pPr algn="ctr"/>
             <a:r>
               <a:rPr lang="en-IE" dirty="0"/>
-              <a:t>Software investigated</a:t>
+              <a:t>Overview of Database/UML</a:t>
             </a:r>
           </a:p>
         </p:txBody>
@@ -6238,7 +6914,7 @@
           <p:cNvPr id="3" name="Content Placeholder 2">
             <a:extLst>
               <a:ext uri="{FF2B5EF4-FFF2-40B4-BE49-F238E27FC236}">
-                <a16:creationId xmlns:a16="http://schemas.microsoft.com/office/drawing/2014/main" id="{8A6F9EC9-10C3-4CD0-A0D6-A7BF713077A4}"/>
+                <a16:creationId xmlns:a16="http://schemas.microsoft.com/office/drawing/2014/main" id="{C3AA1346-E67B-4E9F-821E-5D7941243D4E}"/>
               </a:ext>
             </a:extLst>
           </p:cNvPr>
@@ -6249,19 +6925,29 @@
             <p:ph idx="1"/>
           </p:nvPr>
         </p:nvSpPr>
-        <p:spPr/>
-        <p:txBody>
-          <a:bodyPr/>
-          <a:lstStyle/>
-          <a:p>
-            <a:endParaRPr lang="en-IE"/>
+        <p:spPr>
+          <a:xfrm>
+            <a:off x="564793" y="1488613"/>
+            <a:ext cx="7327182" cy="635609"/>
+          </a:xfrm>
+        </p:spPr>
+        <p:txBody>
+          <a:bodyPr>
+            <a:normAutofit/>
+          </a:bodyPr>
+          <a:lstStyle/>
+          <a:p>
+            <a:r>
+              <a:rPr lang="en-IE" sz="2800" dirty="0"/>
+              <a:t>A sample table in the Database:</a:t>
+            </a:r>
           </a:p>
         </p:txBody>
       </p:sp>
     </p:spTree>
     <p:extLst>
       <p:ext uri="{BB962C8B-B14F-4D97-AF65-F5344CB8AC3E}">
-        <p14:creationId xmlns:p14="http://schemas.microsoft.com/office/powerpoint/2010/main" val="2279702341"/>
+        <p14:creationId xmlns:p14="http://schemas.microsoft.com/office/powerpoint/2010/main" val="1433312232"/>
       </p:ext>
     </p:extLst>
   </p:cSld>
@@ -6293,7 +6979,7 @@
           <p:cNvPr id="2" name="Title 1">
             <a:extLst>
               <a:ext uri="{FF2B5EF4-FFF2-40B4-BE49-F238E27FC236}">
-                <a16:creationId xmlns:a16="http://schemas.microsoft.com/office/drawing/2014/main" id="{6A149551-0DE8-49C5-807E-0858733DB60D}"/>
+                <a16:creationId xmlns:a16="http://schemas.microsoft.com/office/drawing/2014/main" id="{54336C32-1B0C-458C-9B49-9E216C65F83B}"/>
               </a:ext>
             </a:extLst>
           </p:cNvPr>
@@ -6312,7 +6998,7 @@
             <a:pPr algn="ctr"/>
             <a:r>
               <a:rPr lang="en-IE" dirty="0"/>
-              <a:t>Branding </a:t>
+              <a:t>Overview of Database/UML</a:t>
             </a:r>
           </a:p>
         </p:txBody>
@@ -6322,7 +7008,7 @@
           <p:cNvPr id="3" name="Content Placeholder 2">
             <a:extLst>
               <a:ext uri="{FF2B5EF4-FFF2-40B4-BE49-F238E27FC236}">
-                <a16:creationId xmlns:a16="http://schemas.microsoft.com/office/drawing/2014/main" id="{283E3A68-0B86-413D-9C07-B34B48EEF478}"/>
+                <a16:creationId xmlns:a16="http://schemas.microsoft.com/office/drawing/2014/main" id="{C3AA1346-E67B-4E9F-821E-5D7941243D4E}"/>
               </a:ext>
             </a:extLst>
           </p:cNvPr>
@@ -6333,19 +7019,64 @@
             <p:ph idx="1"/>
           </p:nvPr>
         </p:nvSpPr>
-        <p:spPr/>
-        <p:txBody>
-          <a:bodyPr/>
-          <a:lstStyle/>
-          <a:p>
-            <a:endParaRPr lang="en-IE"/>
-          </a:p>
-        </p:txBody>
-      </p:sp>
+        <p:spPr>
+          <a:xfrm>
+            <a:off x="147694" y="1491173"/>
+            <a:ext cx="2532186" cy="2936240"/>
+          </a:xfrm>
+        </p:spPr>
+        <p:txBody>
+          <a:bodyPr>
+            <a:normAutofit/>
+          </a:bodyPr>
+          <a:lstStyle/>
+          <a:p>
+            <a:r>
+              <a:rPr lang="en-IE" sz="2800" dirty="0"/>
+              <a:t>A sample Form in the database:</a:t>
+            </a:r>
+          </a:p>
+        </p:txBody>
+      </p:sp>
+      <p:pic>
+        <p:nvPicPr>
+          <p:cNvPr id="5" name="Picture 4">
+            <a:extLst>
+              <a:ext uri="{FF2B5EF4-FFF2-40B4-BE49-F238E27FC236}">
+                <a16:creationId xmlns:a16="http://schemas.microsoft.com/office/drawing/2014/main" id="{D5F5E4CE-0505-4180-A7F9-0443242C2915}"/>
+              </a:ext>
+            </a:extLst>
+          </p:cNvPr>
+          <p:cNvPicPr>
+            <a:picLocks noChangeAspect="1"/>
+          </p:cNvPicPr>
+          <p:nvPr/>
+        </p:nvPicPr>
+        <p:blipFill rotWithShape="1">
+          <a:blip r:embed="rId2">
+            <a:extLst>
+              <a:ext uri="{28A0092B-C50C-407E-A947-70E740481C1C}">
+                <a14:useLocalDpi xmlns:a14="http://schemas.microsoft.com/office/drawing/2010/main" val="0"/>
+              </a:ext>
+            </a:extLst>
+          </a:blip>
+          <a:srcRect t="1654" r="13151"/>
+          <a:stretch/>
+        </p:blipFill>
+        <p:spPr>
+          <a:xfrm>
+            <a:off x="2679880" y="1491173"/>
+            <a:ext cx="5890738" cy="5171565"/>
+          </a:xfrm>
+          <a:prstGeom prst="rect">
+            <a:avLst/>
+          </a:prstGeom>
+        </p:spPr>
+      </p:pic>
     </p:spTree>
     <p:extLst>
       <p:ext uri="{BB962C8B-B14F-4D97-AF65-F5344CB8AC3E}">
-        <p14:creationId xmlns:p14="http://schemas.microsoft.com/office/powerpoint/2010/main" val="2548573521"/>
+        <p14:creationId xmlns:p14="http://schemas.microsoft.com/office/powerpoint/2010/main" val="2265319142"/>
       </p:ext>
     </p:extLst>
   </p:cSld>
@@ -6377,7 +7108,7 @@
           <p:cNvPr id="2" name="Title 1">
             <a:extLst>
               <a:ext uri="{FF2B5EF4-FFF2-40B4-BE49-F238E27FC236}">
-                <a16:creationId xmlns:a16="http://schemas.microsoft.com/office/drawing/2014/main" id="{D51A5983-ACAF-41AC-9E44-3C96BE55C78D}"/>
+                <a16:creationId xmlns:a16="http://schemas.microsoft.com/office/drawing/2014/main" id="{54336C32-1B0C-458C-9B49-9E216C65F83B}"/>
               </a:ext>
             </a:extLst>
           </p:cNvPr>
@@ -6396,7 +7127,7 @@
             <a:pPr algn="ctr"/>
             <a:r>
               <a:rPr lang="en-IE" dirty="0"/>
-              <a:t>Conclusion</a:t>
+              <a:t>Overview of Database/UML</a:t>
             </a:r>
           </a:p>
         </p:txBody>
@@ -6406,7 +7137,7 @@
           <p:cNvPr id="3" name="Content Placeholder 2">
             <a:extLst>
               <a:ext uri="{FF2B5EF4-FFF2-40B4-BE49-F238E27FC236}">
-                <a16:creationId xmlns:a16="http://schemas.microsoft.com/office/drawing/2014/main" id="{21F19F95-2439-4550-8772-9055AA970ED5}"/>
+                <a16:creationId xmlns:a16="http://schemas.microsoft.com/office/drawing/2014/main" id="{C3AA1346-E67B-4E9F-821E-5D7941243D4E}"/>
               </a:ext>
             </a:extLst>
           </p:cNvPr>
@@ -6417,19 +7148,325 @@
             <p:ph idx="1"/>
           </p:nvPr>
         </p:nvSpPr>
-        <p:spPr/>
-        <p:txBody>
-          <a:bodyPr/>
-          <a:lstStyle/>
-          <a:p>
-            <a:endParaRPr lang="en-IE"/>
-          </a:p>
-        </p:txBody>
-      </p:sp>
+        <p:spPr>
+          <a:xfrm>
+            <a:off x="147694" y="1491173"/>
+            <a:ext cx="2623642" cy="3137098"/>
+          </a:xfrm>
+        </p:spPr>
+        <p:txBody>
+          <a:bodyPr>
+            <a:normAutofit/>
+          </a:bodyPr>
+          <a:lstStyle/>
+          <a:p>
+            <a:r>
+              <a:rPr lang="en-IE" sz="2800" dirty="0"/>
+              <a:t>Suggestion Form:</a:t>
+            </a:r>
+          </a:p>
+        </p:txBody>
+      </p:sp>
+      <p:pic>
+        <p:nvPicPr>
+          <p:cNvPr id="6" name="Picture 5">
+            <a:extLst>
+              <a:ext uri="{FF2B5EF4-FFF2-40B4-BE49-F238E27FC236}">
+                <a16:creationId xmlns:a16="http://schemas.microsoft.com/office/drawing/2014/main" id="{F4FDA6B9-6B14-44EB-B2BA-0B2C48B2B345}"/>
+              </a:ext>
+            </a:extLst>
+          </p:cNvPr>
+          <p:cNvPicPr>
+            <a:picLocks noChangeAspect="1"/>
+          </p:cNvPicPr>
+          <p:nvPr/>
+        </p:nvPicPr>
+        <p:blipFill>
+          <a:blip r:embed="rId2">
+            <a:extLst>
+              <a:ext uri="{28A0092B-C50C-407E-A947-70E740481C1C}">
+                <a14:useLocalDpi xmlns:a14="http://schemas.microsoft.com/office/drawing/2010/main" val="0"/>
+              </a:ext>
+            </a:extLst>
+          </a:blip>
+          <a:stretch>
+            <a:fillRect/>
+          </a:stretch>
+        </p:blipFill>
+        <p:spPr>
+          <a:xfrm>
+            <a:off x="2586519" y="1275656"/>
+            <a:ext cx="6687483" cy="4972744"/>
+          </a:xfrm>
+          <a:prstGeom prst="rect">
+            <a:avLst/>
+          </a:prstGeom>
+        </p:spPr>
+      </p:pic>
     </p:spTree>
     <p:extLst>
       <p:ext uri="{BB962C8B-B14F-4D97-AF65-F5344CB8AC3E}">
-        <p14:creationId xmlns:p14="http://schemas.microsoft.com/office/powerpoint/2010/main" val="343262027"/>
+        <p14:creationId xmlns:p14="http://schemas.microsoft.com/office/powerpoint/2010/main" val="1315028336"/>
+      </p:ext>
+    </p:extLst>
+  </p:cSld>
+  <p:clrMapOvr>
+    <a:masterClrMapping/>
+  </p:clrMapOvr>
+</p:sld>
+</file>
+
+<file path=ppt/slides/slide8.xml><?xml version="1.0" encoding="utf-8"?>
+<p:sld xmlns:a="http://schemas.openxmlformats.org/drawingml/2006/main" xmlns:r="http://schemas.openxmlformats.org/officeDocument/2006/relationships" xmlns:p="http://schemas.openxmlformats.org/presentationml/2006/main">
+  <p:cSld>
+    <p:spTree>
+      <p:nvGrpSpPr>
+        <p:cNvPr id="1" name=""/>
+        <p:cNvGrpSpPr/>
+        <p:nvPr/>
+      </p:nvGrpSpPr>
+      <p:grpSpPr>
+        <a:xfrm>
+          <a:off x="0" y="0"/>
+          <a:ext cx="0" cy="0"/>
+          <a:chOff x="0" y="0"/>
+          <a:chExt cx="0" cy="0"/>
+        </a:xfrm>
+      </p:grpSpPr>
+      <p:sp>
+        <p:nvSpPr>
+          <p:cNvPr id="2" name="Title 1">
+            <a:extLst>
+              <a:ext uri="{FF2B5EF4-FFF2-40B4-BE49-F238E27FC236}">
+                <a16:creationId xmlns:a16="http://schemas.microsoft.com/office/drawing/2014/main" id="{54336C32-1B0C-458C-9B49-9E216C65F83B}"/>
+              </a:ext>
+            </a:extLst>
+          </p:cNvPr>
+          <p:cNvSpPr>
+            <a:spLocks noGrp="1"/>
+          </p:cNvSpPr>
+          <p:nvPr>
+            <p:ph type="title"/>
+          </p:nvPr>
+        </p:nvSpPr>
+        <p:spPr/>
+        <p:txBody>
+          <a:bodyPr/>
+          <a:lstStyle/>
+          <a:p>
+            <a:pPr algn="ctr"/>
+            <a:r>
+              <a:rPr lang="en-IE" dirty="0"/>
+              <a:t>Overview of Database/UML</a:t>
+            </a:r>
+          </a:p>
+        </p:txBody>
+      </p:sp>
+      <p:sp>
+        <p:nvSpPr>
+          <p:cNvPr id="3" name="Content Placeholder 2">
+            <a:extLst>
+              <a:ext uri="{FF2B5EF4-FFF2-40B4-BE49-F238E27FC236}">
+                <a16:creationId xmlns:a16="http://schemas.microsoft.com/office/drawing/2014/main" id="{C3AA1346-E67B-4E9F-821E-5D7941243D4E}"/>
+              </a:ext>
+            </a:extLst>
+          </p:cNvPr>
+          <p:cNvSpPr>
+            <a:spLocks noGrp="1"/>
+          </p:cNvSpPr>
+          <p:nvPr>
+            <p:ph idx="1"/>
+          </p:nvPr>
+        </p:nvSpPr>
+        <p:spPr>
+          <a:xfrm>
+            <a:off x="147693" y="1491173"/>
+            <a:ext cx="8321057" cy="689319"/>
+          </a:xfrm>
+        </p:spPr>
+        <p:txBody>
+          <a:bodyPr>
+            <a:normAutofit/>
+          </a:bodyPr>
+          <a:lstStyle/>
+          <a:p>
+            <a:r>
+              <a:rPr lang="en-IE" sz="2800" dirty="0"/>
+              <a:t>A sample Report in the Database:</a:t>
+            </a:r>
+          </a:p>
+        </p:txBody>
+      </p:sp>
+      <p:pic>
+        <p:nvPicPr>
+          <p:cNvPr id="5" name="Picture 4">
+            <a:extLst>
+              <a:ext uri="{FF2B5EF4-FFF2-40B4-BE49-F238E27FC236}">
+                <a16:creationId xmlns:a16="http://schemas.microsoft.com/office/drawing/2014/main" id="{C5064581-6C44-4296-819F-A6230A861253}"/>
+              </a:ext>
+            </a:extLst>
+          </p:cNvPr>
+          <p:cNvPicPr>
+            <a:picLocks noChangeAspect="1"/>
+          </p:cNvPicPr>
+          <p:nvPr/>
+        </p:nvPicPr>
+        <p:blipFill>
+          <a:blip r:embed="rId2">
+            <a:extLst>
+              <a:ext uri="{28A0092B-C50C-407E-A947-70E740481C1C}">
+                <a14:useLocalDpi xmlns:a14="http://schemas.microsoft.com/office/drawing/2010/main" val="0"/>
+              </a:ext>
+            </a:extLst>
+          </a:blip>
+          <a:stretch>
+            <a:fillRect/>
+          </a:stretch>
+        </p:blipFill>
+        <p:spPr>
+          <a:xfrm>
+            <a:off x="401656" y="2180492"/>
+            <a:ext cx="8872346" cy="4067908"/>
+          </a:xfrm>
+          <a:prstGeom prst="rect">
+            <a:avLst/>
+          </a:prstGeom>
+        </p:spPr>
+      </p:pic>
+    </p:spTree>
+    <p:extLst>
+      <p:ext uri="{BB962C8B-B14F-4D97-AF65-F5344CB8AC3E}">
+        <p14:creationId xmlns:p14="http://schemas.microsoft.com/office/powerpoint/2010/main" val="4237022857"/>
+      </p:ext>
+    </p:extLst>
+  </p:cSld>
+  <p:clrMapOvr>
+    <a:masterClrMapping/>
+  </p:clrMapOvr>
+</p:sld>
+</file>
+
+<file path=ppt/slides/slide9.xml><?xml version="1.0" encoding="utf-8"?>
+<p:sld xmlns:a="http://schemas.openxmlformats.org/drawingml/2006/main" xmlns:r="http://schemas.openxmlformats.org/officeDocument/2006/relationships" xmlns:p="http://schemas.openxmlformats.org/presentationml/2006/main">
+  <p:cSld>
+    <p:spTree>
+      <p:nvGrpSpPr>
+        <p:cNvPr id="1" name=""/>
+        <p:cNvGrpSpPr/>
+        <p:nvPr/>
+      </p:nvGrpSpPr>
+      <p:grpSpPr>
+        <a:xfrm>
+          <a:off x="0" y="0"/>
+          <a:ext cx="0" cy="0"/>
+          <a:chOff x="0" y="0"/>
+          <a:chExt cx="0" cy="0"/>
+        </a:xfrm>
+      </p:grpSpPr>
+      <p:sp>
+        <p:nvSpPr>
+          <p:cNvPr id="2" name="Title 1">
+            <a:extLst>
+              <a:ext uri="{FF2B5EF4-FFF2-40B4-BE49-F238E27FC236}">
+                <a16:creationId xmlns:a16="http://schemas.microsoft.com/office/drawing/2014/main" id="{54336C32-1B0C-458C-9B49-9E216C65F83B}"/>
+              </a:ext>
+            </a:extLst>
+          </p:cNvPr>
+          <p:cNvSpPr>
+            <a:spLocks noGrp="1"/>
+          </p:cNvSpPr>
+          <p:nvPr>
+            <p:ph type="title"/>
+          </p:nvPr>
+        </p:nvSpPr>
+        <p:spPr/>
+        <p:txBody>
+          <a:bodyPr/>
+          <a:lstStyle/>
+          <a:p>
+            <a:pPr algn="ctr"/>
+            <a:r>
+              <a:rPr lang="en-IE" dirty="0"/>
+              <a:t>Overview of Database/UML</a:t>
+            </a:r>
+          </a:p>
+        </p:txBody>
+      </p:sp>
+      <p:sp>
+        <p:nvSpPr>
+          <p:cNvPr id="3" name="Content Placeholder 2">
+            <a:extLst>
+              <a:ext uri="{FF2B5EF4-FFF2-40B4-BE49-F238E27FC236}">
+                <a16:creationId xmlns:a16="http://schemas.microsoft.com/office/drawing/2014/main" id="{C3AA1346-E67B-4E9F-821E-5D7941243D4E}"/>
+              </a:ext>
+            </a:extLst>
+          </p:cNvPr>
+          <p:cNvSpPr>
+            <a:spLocks noGrp="1"/>
+          </p:cNvSpPr>
+          <p:nvPr>
+            <p:ph idx="1"/>
+          </p:nvPr>
+        </p:nvSpPr>
+        <p:spPr>
+          <a:xfrm>
+            <a:off x="147693" y="1491173"/>
+            <a:ext cx="8321057" cy="689319"/>
+          </a:xfrm>
+        </p:spPr>
+        <p:txBody>
+          <a:bodyPr>
+            <a:normAutofit/>
+          </a:bodyPr>
+          <a:lstStyle/>
+          <a:p>
+            <a:r>
+              <a:rPr lang="en-IE" sz="2800" dirty="0"/>
+              <a:t>UML diagram:</a:t>
+            </a:r>
+          </a:p>
+        </p:txBody>
+      </p:sp>
+      <p:pic>
+        <p:nvPicPr>
+          <p:cNvPr id="5" name="Picture 4">
+            <a:extLst>
+              <a:ext uri="{FF2B5EF4-FFF2-40B4-BE49-F238E27FC236}">
+                <a16:creationId xmlns:a16="http://schemas.microsoft.com/office/drawing/2014/main" id="{E90BDD70-E15B-4BBD-B79B-2BEF31BEC621}"/>
+              </a:ext>
+            </a:extLst>
+          </p:cNvPr>
+          <p:cNvPicPr>
+            <a:picLocks noChangeAspect="1"/>
+          </p:cNvPicPr>
+          <p:nvPr/>
+        </p:nvPicPr>
+        <p:blipFill>
+          <a:blip r:embed="rId2">
+            <a:extLst>
+              <a:ext uri="{28A0092B-C50C-407E-A947-70E740481C1C}">
+                <a14:useLocalDpi xmlns:a14="http://schemas.microsoft.com/office/drawing/2010/main" val="0"/>
+              </a:ext>
+            </a:extLst>
+          </a:blip>
+          <a:stretch>
+            <a:fillRect/>
+          </a:stretch>
+        </p:blipFill>
+        <p:spPr>
+          <a:xfrm>
+            <a:off x="3263705" y="1386180"/>
+            <a:ext cx="4194810" cy="5186049"/>
+          </a:xfrm>
+          <a:prstGeom prst="rect">
+            <a:avLst/>
+          </a:prstGeom>
+        </p:spPr>
+      </p:pic>
+    </p:spTree>
+    <p:extLst>
+      <p:ext uri="{BB962C8B-B14F-4D97-AF65-F5344CB8AC3E}">
+        <p14:creationId xmlns:p14="http://schemas.microsoft.com/office/powerpoint/2010/main" val="2544206927"/>
       </p:ext>
     </p:extLst>
   </p:cSld>

--- a/MCTV Limited presentation.pptx
+++ b/MCTV Limited presentation.pptx
@@ -7,18 +7,20 @@
   <p:sldIdLst>
     <p:sldId id="256" r:id="rId2"/>
     <p:sldId id="257" r:id="rId3"/>
-    <p:sldId id="258" r:id="rId4"/>
-    <p:sldId id="259" r:id="rId5"/>
-    <p:sldId id="263" r:id="rId6"/>
-    <p:sldId id="264" r:id="rId7"/>
-    <p:sldId id="265" r:id="rId8"/>
-    <p:sldId id="267" r:id="rId9"/>
-    <p:sldId id="266" r:id="rId10"/>
-    <p:sldId id="269" r:id="rId11"/>
-    <p:sldId id="268" r:id="rId12"/>
-    <p:sldId id="260" r:id="rId13"/>
-    <p:sldId id="261" r:id="rId14"/>
-    <p:sldId id="262" r:id="rId15"/>
+    <p:sldId id="270" r:id="rId4"/>
+    <p:sldId id="271" r:id="rId5"/>
+    <p:sldId id="258" r:id="rId6"/>
+    <p:sldId id="259" r:id="rId7"/>
+    <p:sldId id="263" r:id="rId8"/>
+    <p:sldId id="264" r:id="rId9"/>
+    <p:sldId id="265" r:id="rId10"/>
+    <p:sldId id="267" r:id="rId11"/>
+    <p:sldId id="266" r:id="rId12"/>
+    <p:sldId id="269" r:id="rId13"/>
+    <p:sldId id="268" r:id="rId14"/>
+    <p:sldId id="260" r:id="rId15"/>
+    <p:sldId id="261" r:id="rId16"/>
+    <p:sldId id="262" r:id="rId17"/>
   </p:sldIdLst>
   <p:sldSz cx="12192000" cy="6858000"/>
   <p:notesSz cx="6858000" cy="9144000"/>
@@ -6011,6 +6013,266 @@
         </p:nvSpPr>
         <p:spPr>
           <a:xfrm>
+            <a:off x="147693" y="1491173"/>
+            <a:ext cx="8321057" cy="689319"/>
+          </a:xfrm>
+        </p:spPr>
+        <p:txBody>
+          <a:bodyPr>
+            <a:normAutofit/>
+          </a:bodyPr>
+          <a:lstStyle/>
+          <a:p>
+            <a:r>
+              <a:rPr lang="en-IE" sz="2800" dirty="0"/>
+              <a:t>A sample Report in the Database:</a:t>
+            </a:r>
+          </a:p>
+        </p:txBody>
+      </p:sp>
+      <p:pic>
+        <p:nvPicPr>
+          <p:cNvPr id="5" name="Picture 4">
+            <a:extLst>
+              <a:ext uri="{FF2B5EF4-FFF2-40B4-BE49-F238E27FC236}">
+                <a16:creationId xmlns:a16="http://schemas.microsoft.com/office/drawing/2014/main" id="{C5064581-6C44-4296-819F-A6230A861253}"/>
+              </a:ext>
+            </a:extLst>
+          </p:cNvPr>
+          <p:cNvPicPr>
+            <a:picLocks noChangeAspect="1"/>
+          </p:cNvPicPr>
+          <p:nvPr/>
+        </p:nvPicPr>
+        <p:blipFill>
+          <a:blip r:embed="rId2">
+            <a:extLst>
+              <a:ext uri="{28A0092B-C50C-407E-A947-70E740481C1C}">
+                <a14:useLocalDpi xmlns:a14="http://schemas.microsoft.com/office/drawing/2010/main" val="0"/>
+              </a:ext>
+            </a:extLst>
+          </a:blip>
+          <a:stretch>
+            <a:fillRect/>
+          </a:stretch>
+        </p:blipFill>
+        <p:spPr>
+          <a:xfrm>
+            <a:off x="401656" y="2180492"/>
+            <a:ext cx="8872346" cy="4067908"/>
+          </a:xfrm>
+          <a:prstGeom prst="rect">
+            <a:avLst/>
+          </a:prstGeom>
+        </p:spPr>
+      </p:pic>
+    </p:spTree>
+    <p:extLst>
+      <p:ext uri="{BB962C8B-B14F-4D97-AF65-F5344CB8AC3E}">
+        <p14:creationId xmlns:p14="http://schemas.microsoft.com/office/powerpoint/2010/main" val="4237022857"/>
+      </p:ext>
+    </p:extLst>
+  </p:cSld>
+  <p:clrMapOvr>
+    <a:masterClrMapping/>
+  </p:clrMapOvr>
+</p:sld>
+</file>
+
+<file path=ppt/slides/slide11.xml><?xml version="1.0" encoding="utf-8"?>
+<p:sld xmlns:a="http://schemas.openxmlformats.org/drawingml/2006/main" xmlns:r="http://schemas.openxmlformats.org/officeDocument/2006/relationships" xmlns:p="http://schemas.openxmlformats.org/presentationml/2006/main">
+  <p:cSld>
+    <p:spTree>
+      <p:nvGrpSpPr>
+        <p:cNvPr id="1" name=""/>
+        <p:cNvGrpSpPr/>
+        <p:nvPr/>
+      </p:nvGrpSpPr>
+      <p:grpSpPr>
+        <a:xfrm>
+          <a:off x="0" y="0"/>
+          <a:ext cx="0" cy="0"/>
+          <a:chOff x="0" y="0"/>
+          <a:chExt cx="0" cy="0"/>
+        </a:xfrm>
+      </p:grpSpPr>
+      <p:sp>
+        <p:nvSpPr>
+          <p:cNvPr id="2" name="Title 1">
+            <a:extLst>
+              <a:ext uri="{FF2B5EF4-FFF2-40B4-BE49-F238E27FC236}">
+                <a16:creationId xmlns:a16="http://schemas.microsoft.com/office/drawing/2014/main" id="{54336C32-1B0C-458C-9B49-9E216C65F83B}"/>
+              </a:ext>
+            </a:extLst>
+          </p:cNvPr>
+          <p:cNvSpPr>
+            <a:spLocks noGrp="1"/>
+          </p:cNvSpPr>
+          <p:nvPr>
+            <p:ph type="title"/>
+          </p:nvPr>
+        </p:nvSpPr>
+        <p:spPr/>
+        <p:txBody>
+          <a:bodyPr/>
+          <a:lstStyle/>
+          <a:p>
+            <a:pPr algn="ctr"/>
+            <a:r>
+              <a:rPr lang="en-IE" dirty="0"/>
+              <a:t>Overview of Database/UML</a:t>
+            </a:r>
+          </a:p>
+        </p:txBody>
+      </p:sp>
+      <p:sp>
+        <p:nvSpPr>
+          <p:cNvPr id="3" name="Content Placeholder 2">
+            <a:extLst>
+              <a:ext uri="{FF2B5EF4-FFF2-40B4-BE49-F238E27FC236}">
+                <a16:creationId xmlns:a16="http://schemas.microsoft.com/office/drawing/2014/main" id="{C3AA1346-E67B-4E9F-821E-5D7941243D4E}"/>
+              </a:ext>
+            </a:extLst>
+          </p:cNvPr>
+          <p:cNvSpPr>
+            <a:spLocks noGrp="1"/>
+          </p:cNvSpPr>
+          <p:nvPr>
+            <p:ph idx="1"/>
+          </p:nvPr>
+        </p:nvSpPr>
+        <p:spPr>
+          <a:xfrm>
+            <a:off x="147693" y="1491173"/>
+            <a:ext cx="8321057" cy="689319"/>
+          </a:xfrm>
+        </p:spPr>
+        <p:txBody>
+          <a:bodyPr>
+            <a:normAutofit/>
+          </a:bodyPr>
+          <a:lstStyle/>
+          <a:p>
+            <a:r>
+              <a:rPr lang="en-IE" sz="2800" dirty="0"/>
+              <a:t>UML diagram:</a:t>
+            </a:r>
+          </a:p>
+        </p:txBody>
+      </p:sp>
+      <p:pic>
+        <p:nvPicPr>
+          <p:cNvPr id="5" name="Picture 4">
+            <a:extLst>
+              <a:ext uri="{FF2B5EF4-FFF2-40B4-BE49-F238E27FC236}">
+                <a16:creationId xmlns:a16="http://schemas.microsoft.com/office/drawing/2014/main" id="{E90BDD70-E15B-4BBD-B79B-2BEF31BEC621}"/>
+              </a:ext>
+            </a:extLst>
+          </p:cNvPr>
+          <p:cNvPicPr>
+            <a:picLocks noChangeAspect="1"/>
+          </p:cNvPicPr>
+          <p:nvPr/>
+        </p:nvPicPr>
+        <p:blipFill>
+          <a:blip r:embed="rId2">
+            <a:extLst>
+              <a:ext uri="{28A0092B-C50C-407E-A947-70E740481C1C}">
+                <a14:useLocalDpi xmlns:a14="http://schemas.microsoft.com/office/drawing/2010/main" val="0"/>
+              </a:ext>
+            </a:extLst>
+          </a:blip>
+          <a:stretch>
+            <a:fillRect/>
+          </a:stretch>
+        </p:blipFill>
+        <p:spPr>
+          <a:xfrm>
+            <a:off x="3263705" y="1386180"/>
+            <a:ext cx="4194810" cy="5186049"/>
+          </a:xfrm>
+          <a:prstGeom prst="rect">
+            <a:avLst/>
+          </a:prstGeom>
+        </p:spPr>
+      </p:pic>
+    </p:spTree>
+    <p:extLst>
+      <p:ext uri="{BB962C8B-B14F-4D97-AF65-F5344CB8AC3E}">
+        <p14:creationId xmlns:p14="http://schemas.microsoft.com/office/powerpoint/2010/main" val="2544206927"/>
+      </p:ext>
+    </p:extLst>
+  </p:cSld>
+  <p:clrMapOvr>
+    <a:masterClrMapping/>
+  </p:clrMapOvr>
+</p:sld>
+</file>
+
+<file path=ppt/slides/slide12.xml><?xml version="1.0" encoding="utf-8"?>
+<p:sld xmlns:a="http://schemas.openxmlformats.org/drawingml/2006/main" xmlns:r="http://schemas.openxmlformats.org/officeDocument/2006/relationships" xmlns:p="http://schemas.openxmlformats.org/presentationml/2006/main">
+  <p:cSld>
+    <p:spTree>
+      <p:nvGrpSpPr>
+        <p:cNvPr id="1" name=""/>
+        <p:cNvGrpSpPr/>
+        <p:nvPr/>
+      </p:nvGrpSpPr>
+      <p:grpSpPr>
+        <a:xfrm>
+          <a:off x="0" y="0"/>
+          <a:ext cx="0" cy="0"/>
+          <a:chOff x="0" y="0"/>
+          <a:chExt cx="0" cy="0"/>
+        </a:xfrm>
+      </p:grpSpPr>
+      <p:sp>
+        <p:nvSpPr>
+          <p:cNvPr id="2" name="Title 1">
+            <a:extLst>
+              <a:ext uri="{FF2B5EF4-FFF2-40B4-BE49-F238E27FC236}">
+                <a16:creationId xmlns:a16="http://schemas.microsoft.com/office/drawing/2014/main" id="{54336C32-1B0C-458C-9B49-9E216C65F83B}"/>
+              </a:ext>
+            </a:extLst>
+          </p:cNvPr>
+          <p:cNvSpPr>
+            <a:spLocks noGrp="1"/>
+          </p:cNvSpPr>
+          <p:nvPr>
+            <p:ph type="title"/>
+          </p:nvPr>
+        </p:nvSpPr>
+        <p:spPr/>
+        <p:txBody>
+          <a:bodyPr/>
+          <a:lstStyle/>
+          <a:p>
+            <a:pPr algn="ctr"/>
+            <a:r>
+              <a:rPr lang="en-IE" dirty="0"/>
+              <a:t>Overview of Database/UML</a:t>
+            </a:r>
+          </a:p>
+        </p:txBody>
+      </p:sp>
+      <p:sp>
+        <p:nvSpPr>
+          <p:cNvPr id="3" name="Content Placeholder 2">
+            <a:extLst>
+              <a:ext uri="{FF2B5EF4-FFF2-40B4-BE49-F238E27FC236}">
+                <a16:creationId xmlns:a16="http://schemas.microsoft.com/office/drawing/2014/main" id="{C3AA1346-E67B-4E9F-821E-5D7941243D4E}"/>
+              </a:ext>
+            </a:extLst>
+          </p:cNvPr>
+          <p:cNvSpPr>
+            <a:spLocks noGrp="1"/>
+          </p:cNvSpPr>
+          <p:nvPr>
+            <p:ph idx="1"/>
+          </p:nvPr>
+        </p:nvSpPr>
+        <p:spPr>
+          <a:xfrm>
             <a:off x="232100" y="1241081"/>
             <a:ext cx="8321057" cy="689319"/>
           </a:xfrm>
@@ -6085,7 +6347,7 @@
 </p:sld>
 </file>
 
-<file path=ppt/slides/slide11.xml><?xml version="1.0" encoding="utf-8"?>
+<file path=ppt/slides/slide13.xml><?xml version="1.0" encoding="utf-8"?>
 <p:sld xmlns:a="http://schemas.openxmlformats.org/drawingml/2006/main" xmlns:r="http://schemas.openxmlformats.org/officeDocument/2006/relationships" xmlns:p="http://schemas.openxmlformats.org/presentationml/2006/main">
   <p:cSld>
     <p:spTree>
@@ -6214,7 +6476,7 @@
 </p:sld>
 </file>
 
-<file path=ppt/slides/slide12.xml><?xml version="1.0" encoding="utf-8"?>
+<file path=ppt/slides/slide14.xml><?xml version="1.0" encoding="utf-8"?>
 <p:sld xmlns:a="http://schemas.openxmlformats.org/drawingml/2006/main" xmlns:r="http://schemas.openxmlformats.org/officeDocument/2006/relationships" xmlns:p="http://schemas.openxmlformats.org/presentationml/2006/main">
   <p:cSld>
     <p:spTree>
@@ -6298,7 +6560,7 @@
 </p:sld>
 </file>
 
-<file path=ppt/slides/slide13.xml><?xml version="1.0" encoding="utf-8"?>
+<file path=ppt/slides/slide15.xml><?xml version="1.0" encoding="utf-8"?>
 <p:sld xmlns:a="http://schemas.openxmlformats.org/drawingml/2006/main" xmlns:r="http://schemas.openxmlformats.org/officeDocument/2006/relationships" xmlns:p="http://schemas.openxmlformats.org/presentationml/2006/main">
   <p:cSld>
     <p:spTree>
@@ -6382,7 +6644,7 @@
 </p:sld>
 </file>
 
-<file path=ppt/slides/slide14.xml><?xml version="1.0" encoding="utf-8"?>
+<file path=ppt/slides/slide16.xml><?xml version="1.0" encoding="utf-8"?>
 <p:sld xmlns:a="http://schemas.openxmlformats.org/drawingml/2006/main" xmlns:r="http://schemas.openxmlformats.org/officeDocument/2006/relationships" xmlns:p="http://schemas.openxmlformats.org/presentationml/2006/main">
   <p:cSld>
     <p:spTree>
@@ -6647,15 +6909,441 @@
             <p:ph idx="1"/>
           </p:nvPr>
         </p:nvSpPr>
+        <p:spPr>
+          <a:xfrm>
+            <a:off x="677334" y="1654152"/>
+            <a:ext cx="8596668" cy="4043263"/>
+          </a:xfrm>
+        </p:spPr>
+        <p:txBody>
+          <a:bodyPr>
+            <a:normAutofit/>
+          </a:bodyPr>
+          <a:lstStyle/>
+          <a:p>
+            <a:pPr marL="0" indent="0">
+              <a:buNone/>
+            </a:pPr>
+            <a:r>
+              <a:rPr lang="en-IE" sz="2400" dirty="0"/>
+              <a:t>Database Tasks:|</a:t>
+            </a:r>
+          </a:p>
+          <a:p>
+            <a:r>
+              <a:rPr lang="en-IE" sz="2400" dirty="0"/>
+              <a:t>Tables/Reports/Forms (</a:t>
+            </a:r>
+            <a:r>
+              <a:rPr lang="en-IE" sz="2400" dirty="0" err="1"/>
+              <a:t>Ioana</a:t>
+            </a:r>
+            <a:r>
+              <a:rPr lang="en-IE" sz="2400" dirty="0"/>
+              <a:t>)</a:t>
+            </a:r>
+          </a:p>
+          <a:p>
+            <a:r>
+              <a:rPr lang="en-IE" sz="2400" dirty="0"/>
+              <a:t>Queries/Suggestion Form/Data (</a:t>
+            </a:r>
+            <a:r>
+              <a:rPr lang="en-IE" sz="2400" dirty="0" err="1"/>
+              <a:t>Ioana</a:t>
+            </a:r>
+            <a:r>
+              <a:rPr lang="en-IE" sz="2400" dirty="0"/>
+              <a:t>)</a:t>
+            </a:r>
+          </a:p>
+          <a:p>
+            <a:r>
+              <a:rPr lang="en-IE" sz="2400" dirty="0"/>
+              <a:t>Customisation (Remigija)</a:t>
+            </a:r>
+          </a:p>
+          <a:p>
+            <a:pPr marL="0" indent="0">
+              <a:buNone/>
+            </a:pPr>
+            <a:endParaRPr lang="en-IE" sz="2400" dirty="0"/>
+          </a:p>
+          <a:p>
+            <a:pPr marL="0" indent="0">
+              <a:buNone/>
+            </a:pPr>
+            <a:r>
+              <a:rPr lang="en-IE" sz="2400" dirty="0"/>
+              <a:t>UML tasks:</a:t>
+            </a:r>
+          </a:p>
+          <a:p>
+            <a:r>
+              <a:rPr lang="en-IE" sz="2400" dirty="0"/>
+              <a:t>Pick actors/pick use cases (Remigija)</a:t>
+            </a:r>
+          </a:p>
+          <a:p>
+            <a:r>
+              <a:rPr lang="en-IE" sz="2400" dirty="0"/>
+              <a:t>Make descriptions for use cases (Remigija and </a:t>
+            </a:r>
+            <a:r>
+              <a:rPr lang="en-IE" sz="2400" dirty="0" err="1"/>
+              <a:t>Ioana</a:t>
+            </a:r>
+            <a:r>
+              <a:rPr lang="en-IE" sz="2400" dirty="0"/>
+              <a:t>)</a:t>
+            </a:r>
+          </a:p>
+          <a:p>
+            <a:pPr marL="0" indent="0">
+              <a:buNone/>
+            </a:pPr>
+            <a:endParaRPr lang="en-IE" sz="2800" dirty="0"/>
+          </a:p>
+        </p:txBody>
+      </p:sp>
+    </p:spTree>
+    <p:extLst>
+      <p:ext uri="{BB962C8B-B14F-4D97-AF65-F5344CB8AC3E}">
+        <p14:creationId xmlns:p14="http://schemas.microsoft.com/office/powerpoint/2010/main" val="1547632933"/>
+      </p:ext>
+    </p:extLst>
+  </p:cSld>
+  <p:clrMapOvr>
+    <a:masterClrMapping/>
+  </p:clrMapOvr>
+</p:sld>
+</file>
+
+<file path=ppt/slides/slide4.xml><?xml version="1.0" encoding="utf-8"?>
+<p:sld xmlns:a="http://schemas.openxmlformats.org/drawingml/2006/main" xmlns:r="http://schemas.openxmlformats.org/officeDocument/2006/relationships" xmlns:p="http://schemas.openxmlformats.org/presentationml/2006/main">
+  <p:cSld>
+    <p:spTree>
+      <p:nvGrpSpPr>
+        <p:cNvPr id="1" name=""/>
+        <p:cNvGrpSpPr/>
+        <p:nvPr/>
+      </p:nvGrpSpPr>
+      <p:grpSpPr>
+        <a:xfrm>
+          <a:off x="0" y="0"/>
+          <a:ext cx="0" cy="0"/>
+          <a:chOff x="0" y="0"/>
+          <a:chExt cx="0" cy="0"/>
+        </a:xfrm>
+      </p:grpSpPr>
+      <p:sp>
+        <p:nvSpPr>
+          <p:cNvPr id="2" name="Title 1">
+            <a:extLst>
+              <a:ext uri="{FF2B5EF4-FFF2-40B4-BE49-F238E27FC236}">
+                <a16:creationId xmlns:a16="http://schemas.microsoft.com/office/drawing/2014/main" id="{2A620BDB-4FE2-4131-BDE3-3E5E5A082B97}"/>
+              </a:ext>
+            </a:extLst>
+          </p:cNvPr>
+          <p:cNvSpPr>
+            <a:spLocks noGrp="1"/>
+          </p:cNvSpPr>
+          <p:nvPr>
+            <p:ph type="title"/>
+          </p:nvPr>
+        </p:nvSpPr>
         <p:spPr/>
         <p:txBody>
           <a:bodyPr/>
           <a:lstStyle/>
           <a:p>
-            <a:endParaRPr lang="en-IE" dirty="0"/>
-          </a:p>
-        </p:txBody>
-      </p:sp>
+            <a:pPr algn="ctr"/>
+            <a:r>
+              <a:rPr lang="en-IE" dirty="0"/>
+              <a:t>Division of the Tasks</a:t>
+            </a:r>
+          </a:p>
+        </p:txBody>
+      </p:sp>
+      <p:sp>
+        <p:nvSpPr>
+          <p:cNvPr id="3" name="Content Placeholder 2">
+            <a:extLst>
+              <a:ext uri="{FF2B5EF4-FFF2-40B4-BE49-F238E27FC236}">
+                <a16:creationId xmlns:a16="http://schemas.microsoft.com/office/drawing/2014/main" id="{2DBB38F4-EB08-449E-86E1-5BB5DD9D4040}"/>
+              </a:ext>
+            </a:extLst>
+          </p:cNvPr>
+          <p:cNvSpPr>
+            <a:spLocks noGrp="1"/>
+          </p:cNvSpPr>
+          <p:nvPr>
+            <p:ph idx="1"/>
+          </p:nvPr>
+        </p:nvSpPr>
+        <p:spPr>
+          <a:xfrm>
+            <a:off x="677334" y="1654152"/>
+            <a:ext cx="8596668" cy="4043263"/>
+          </a:xfrm>
+        </p:spPr>
+        <p:txBody>
+          <a:bodyPr>
+            <a:noAutofit/>
+          </a:bodyPr>
+          <a:lstStyle/>
+          <a:p>
+            <a:pPr marL="0" indent="0">
+              <a:buNone/>
+            </a:pPr>
+            <a:r>
+              <a:rPr lang="en-IE" sz="2400" dirty="0"/>
+              <a:t>WordPress Tasks:</a:t>
+            </a:r>
+          </a:p>
+          <a:p>
+            <a:r>
+              <a:rPr lang="en-IE" sz="2400" dirty="0"/>
+              <a:t>Choose pages and layout/add content (Remigija)</a:t>
+            </a:r>
+          </a:p>
+          <a:p>
+            <a:pPr marL="0" indent="0">
+              <a:buNone/>
+            </a:pPr>
+            <a:r>
+              <a:rPr lang="en-IE" sz="2400" dirty="0"/>
+              <a:t>Individual Report tasks:</a:t>
+            </a:r>
+          </a:p>
+          <a:p>
+            <a:r>
+              <a:rPr lang="en-IE" sz="2400" dirty="0"/>
+              <a:t>Make a report (Remigija and </a:t>
+            </a:r>
+            <a:r>
+              <a:rPr lang="en-IE" sz="2400" dirty="0" err="1"/>
+              <a:t>Ioana</a:t>
+            </a:r>
+            <a:r>
+              <a:rPr lang="en-IE" sz="2400" dirty="0"/>
+              <a:t>)</a:t>
+            </a:r>
+          </a:p>
+          <a:p>
+            <a:pPr marL="0" indent="0">
+              <a:buNone/>
+            </a:pPr>
+            <a:r>
+              <a:rPr lang="en-IE" sz="2400" dirty="0"/>
+              <a:t>Presentation Tasks:</a:t>
+            </a:r>
+          </a:p>
+          <a:p>
+            <a:r>
+              <a:rPr lang="en-IE" sz="2400" dirty="0"/>
+              <a:t>Make slides/ add content/choose layout (Remigija)</a:t>
+            </a:r>
+          </a:p>
+          <a:p>
+            <a:pPr marL="0" indent="0">
+              <a:buNone/>
+            </a:pPr>
+            <a:r>
+              <a:rPr lang="en-IE" sz="2400" dirty="0"/>
+              <a:t>Other Tasks:</a:t>
+            </a:r>
+          </a:p>
+          <a:p>
+            <a:r>
+              <a:rPr lang="en-IE" sz="2400" dirty="0"/>
+              <a:t>Create GitHub repository/</a:t>
+            </a:r>
+            <a:r>
+              <a:rPr lang="en-IE" sz="2400" dirty="0" err="1"/>
+              <a:t>trello</a:t>
+            </a:r>
+            <a:r>
+              <a:rPr lang="en-IE" sz="2400" dirty="0"/>
+              <a:t> boards/Gantt Chart (Remigija)</a:t>
+            </a:r>
+          </a:p>
+          <a:p>
+            <a:r>
+              <a:rPr lang="en-IE" sz="2400" dirty="0"/>
+              <a:t>Choose a colour scheme (Remigija)</a:t>
+            </a:r>
+          </a:p>
+        </p:txBody>
+      </p:sp>
+    </p:spTree>
+    <p:extLst>
+      <p:ext uri="{BB962C8B-B14F-4D97-AF65-F5344CB8AC3E}">
+        <p14:creationId xmlns:p14="http://schemas.microsoft.com/office/powerpoint/2010/main" val="312620287"/>
+      </p:ext>
+    </p:extLst>
+  </p:cSld>
+  <p:clrMapOvr>
+    <a:masterClrMapping/>
+  </p:clrMapOvr>
+</p:sld>
+</file>
+
+<file path=ppt/slides/slide5.xml><?xml version="1.0" encoding="utf-8"?>
+<p:sld xmlns:a="http://schemas.openxmlformats.org/drawingml/2006/main" xmlns:r="http://schemas.openxmlformats.org/officeDocument/2006/relationships" xmlns:p="http://schemas.openxmlformats.org/presentationml/2006/main">
+  <p:cSld>
+    <p:spTree>
+      <p:nvGrpSpPr>
+        <p:cNvPr id="1" name=""/>
+        <p:cNvGrpSpPr/>
+        <p:nvPr/>
+      </p:nvGrpSpPr>
+      <p:grpSpPr>
+        <a:xfrm>
+          <a:off x="0" y="0"/>
+          <a:ext cx="0" cy="0"/>
+          <a:chOff x="0" y="0"/>
+          <a:chExt cx="0" cy="0"/>
+        </a:xfrm>
+      </p:grpSpPr>
+      <p:sp>
+        <p:nvSpPr>
+          <p:cNvPr id="2" name="Title 1">
+            <a:extLst>
+              <a:ext uri="{FF2B5EF4-FFF2-40B4-BE49-F238E27FC236}">
+                <a16:creationId xmlns:a16="http://schemas.microsoft.com/office/drawing/2014/main" id="{2A620BDB-4FE2-4131-BDE3-3E5E5A082B97}"/>
+              </a:ext>
+            </a:extLst>
+          </p:cNvPr>
+          <p:cNvSpPr>
+            <a:spLocks noGrp="1"/>
+          </p:cNvSpPr>
+          <p:nvPr>
+            <p:ph type="title"/>
+          </p:nvPr>
+        </p:nvSpPr>
+        <p:spPr>
+          <a:xfrm>
+            <a:off x="677334" y="0"/>
+            <a:ext cx="8596668" cy="1320800"/>
+          </a:xfrm>
+        </p:spPr>
+        <p:txBody>
+          <a:bodyPr/>
+          <a:lstStyle/>
+          <a:p>
+            <a:pPr algn="ctr"/>
+            <a:r>
+              <a:rPr lang="en-IE" dirty="0"/>
+              <a:t>Division of the Tasks</a:t>
+            </a:r>
+          </a:p>
+        </p:txBody>
+      </p:sp>
+      <p:sp>
+        <p:nvSpPr>
+          <p:cNvPr id="3" name="Content Placeholder 2">
+            <a:extLst>
+              <a:ext uri="{FF2B5EF4-FFF2-40B4-BE49-F238E27FC236}">
+                <a16:creationId xmlns:a16="http://schemas.microsoft.com/office/drawing/2014/main" id="{2DBB38F4-EB08-449E-86E1-5BB5DD9D4040}"/>
+              </a:ext>
+            </a:extLst>
+          </p:cNvPr>
+          <p:cNvSpPr>
+            <a:spLocks noGrp="1"/>
+          </p:cNvSpPr>
+          <p:nvPr>
+            <p:ph idx="1"/>
+          </p:nvPr>
+        </p:nvSpPr>
+        <p:spPr>
+          <a:xfrm>
+            <a:off x="677334" y="604911"/>
+            <a:ext cx="8596668" cy="715889"/>
+          </a:xfrm>
+        </p:spPr>
+        <p:txBody>
+          <a:bodyPr>
+            <a:normAutofit/>
+          </a:bodyPr>
+          <a:lstStyle/>
+          <a:p>
+            <a:pPr marL="0" indent="0" algn="ctr">
+              <a:buNone/>
+            </a:pPr>
+            <a:r>
+              <a:rPr lang="en-IE" sz="2800" dirty="0"/>
+              <a:t>Gantt Chart</a:t>
+            </a:r>
+            <a:r>
+              <a:rPr lang="en-IE" sz="2800" dirty="0">
+                <a:solidFill>
+                  <a:srgbClr val="FF0000"/>
+                </a:solidFill>
+              </a:rPr>
+              <a:t>: Red=</a:t>
+            </a:r>
+            <a:r>
+              <a:rPr lang="en-IE" sz="2800" dirty="0" err="1">
+                <a:solidFill>
+                  <a:srgbClr val="FF0000"/>
+                </a:solidFill>
+              </a:rPr>
+              <a:t>Ioana</a:t>
+            </a:r>
+            <a:r>
+              <a:rPr lang="en-IE" sz="2800" dirty="0"/>
+              <a:t>; </a:t>
+            </a:r>
+            <a:r>
+              <a:rPr lang="en-IE" sz="2800" dirty="0">
+                <a:solidFill>
+                  <a:schemeClr val="tx2">
+                    <a:lumMod val="50000"/>
+                  </a:schemeClr>
+                </a:solidFill>
+              </a:rPr>
+              <a:t>Blue=Remigija</a:t>
+            </a:r>
+          </a:p>
+        </p:txBody>
+      </p:sp>
+      <p:pic>
+        <p:nvPicPr>
+          <p:cNvPr id="5" name="Picture 4">
+            <a:extLst>
+              <a:ext uri="{FF2B5EF4-FFF2-40B4-BE49-F238E27FC236}">
+                <a16:creationId xmlns:a16="http://schemas.microsoft.com/office/drawing/2014/main" id="{801FFF61-328B-4241-8E77-C7AEA7117254}"/>
+              </a:ext>
+            </a:extLst>
+          </p:cNvPr>
+          <p:cNvPicPr>
+            <a:picLocks noChangeAspect="1"/>
+          </p:cNvPicPr>
+          <p:nvPr/>
+        </p:nvPicPr>
+        <p:blipFill>
+          <a:blip r:embed="rId2">
+            <a:extLst>
+              <a:ext uri="{28A0092B-C50C-407E-A947-70E740481C1C}">
+                <a14:useLocalDpi xmlns:a14="http://schemas.microsoft.com/office/drawing/2010/main" val="0"/>
+              </a:ext>
+            </a:extLst>
+          </a:blip>
+          <a:stretch>
+            <a:fillRect/>
+          </a:stretch>
+        </p:blipFill>
+        <p:spPr>
+          <a:xfrm>
+            <a:off x="182881" y="1320800"/>
+            <a:ext cx="11057206" cy="5358552"/>
+          </a:xfrm>
+          <a:prstGeom prst="rect">
+            <a:avLst/>
+          </a:prstGeom>
+        </p:spPr>
+      </p:pic>
     </p:spTree>
     <p:extLst>
       <p:ext uri="{BB962C8B-B14F-4D97-AF65-F5344CB8AC3E}">
@@ -6669,7 +7357,7 @@
 </p:sld>
 </file>
 
-<file path=ppt/slides/slide4.xml><?xml version="1.0" encoding="utf-8"?>
+<file path=ppt/slides/slide6.xml><?xml version="1.0" encoding="utf-8"?>
 <p:sld xmlns:a="http://schemas.openxmlformats.org/drawingml/2006/main" xmlns:r="http://schemas.openxmlformats.org/officeDocument/2006/relationships" xmlns:p="http://schemas.openxmlformats.org/presentationml/2006/main">
   <p:cSld>
     <p:spTree>
@@ -6827,7 +7515,7 @@
 </p:sld>
 </file>
 
-<file path=ppt/slides/slide5.xml><?xml version="1.0" encoding="utf-8"?>
+<file path=ppt/slides/slide7.xml><?xml version="1.0" encoding="utf-8"?>
 <p:sld xmlns:a="http://schemas.openxmlformats.org/drawingml/2006/main" xmlns:r="http://schemas.openxmlformats.org/officeDocument/2006/relationships" xmlns:p="http://schemas.openxmlformats.org/presentationml/2006/main">
   <p:cSld>
     <p:spTree>
@@ -6957,7 +7645,7 @@
 </p:sld>
 </file>
 
-<file path=ppt/slides/slide6.xml><?xml version="1.0" encoding="utf-8"?>
+<file path=ppt/slides/slide8.xml><?xml version="1.0" encoding="utf-8"?>
 <p:sld xmlns:a="http://schemas.openxmlformats.org/drawingml/2006/main" xmlns:r="http://schemas.openxmlformats.org/officeDocument/2006/relationships" xmlns:p="http://schemas.openxmlformats.org/presentationml/2006/main">
   <p:cSld>
     <p:spTree>
@@ -7086,7 +7774,7 @@
 </p:sld>
 </file>
 
-<file path=ppt/slides/slide7.xml><?xml version="1.0" encoding="utf-8"?>
+<file path=ppt/slides/slide9.xml><?xml version="1.0" encoding="utf-8"?>
 <p:sld xmlns:a="http://schemas.openxmlformats.org/drawingml/2006/main" xmlns:r="http://schemas.openxmlformats.org/officeDocument/2006/relationships" xmlns:p="http://schemas.openxmlformats.org/presentationml/2006/main">
   <p:cSld>
     <p:spTree>
@@ -7207,266 +7895,6 @@
     <p:extLst>
       <p:ext uri="{BB962C8B-B14F-4D97-AF65-F5344CB8AC3E}">
         <p14:creationId xmlns:p14="http://schemas.microsoft.com/office/powerpoint/2010/main" val="1315028336"/>
-      </p:ext>
-    </p:extLst>
-  </p:cSld>
-  <p:clrMapOvr>
-    <a:masterClrMapping/>
-  </p:clrMapOvr>
-</p:sld>
-</file>
-
-<file path=ppt/slides/slide8.xml><?xml version="1.0" encoding="utf-8"?>
-<p:sld xmlns:a="http://schemas.openxmlformats.org/drawingml/2006/main" xmlns:r="http://schemas.openxmlformats.org/officeDocument/2006/relationships" xmlns:p="http://schemas.openxmlformats.org/presentationml/2006/main">
-  <p:cSld>
-    <p:spTree>
-      <p:nvGrpSpPr>
-        <p:cNvPr id="1" name=""/>
-        <p:cNvGrpSpPr/>
-        <p:nvPr/>
-      </p:nvGrpSpPr>
-      <p:grpSpPr>
-        <a:xfrm>
-          <a:off x="0" y="0"/>
-          <a:ext cx="0" cy="0"/>
-          <a:chOff x="0" y="0"/>
-          <a:chExt cx="0" cy="0"/>
-        </a:xfrm>
-      </p:grpSpPr>
-      <p:sp>
-        <p:nvSpPr>
-          <p:cNvPr id="2" name="Title 1">
-            <a:extLst>
-              <a:ext uri="{FF2B5EF4-FFF2-40B4-BE49-F238E27FC236}">
-                <a16:creationId xmlns:a16="http://schemas.microsoft.com/office/drawing/2014/main" id="{54336C32-1B0C-458C-9B49-9E216C65F83B}"/>
-              </a:ext>
-            </a:extLst>
-          </p:cNvPr>
-          <p:cNvSpPr>
-            <a:spLocks noGrp="1"/>
-          </p:cNvSpPr>
-          <p:nvPr>
-            <p:ph type="title"/>
-          </p:nvPr>
-        </p:nvSpPr>
-        <p:spPr/>
-        <p:txBody>
-          <a:bodyPr/>
-          <a:lstStyle/>
-          <a:p>
-            <a:pPr algn="ctr"/>
-            <a:r>
-              <a:rPr lang="en-IE" dirty="0"/>
-              <a:t>Overview of Database/UML</a:t>
-            </a:r>
-          </a:p>
-        </p:txBody>
-      </p:sp>
-      <p:sp>
-        <p:nvSpPr>
-          <p:cNvPr id="3" name="Content Placeholder 2">
-            <a:extLst>
-              <a:ext uri="{FF2B5EF4-FFF2-40B4-BE49-F238E27FC236}">
-                <a16:creationId xmlns:a16="http://schemas.microsoft.com/office/drawing/2014/main" id="{C3AA1346-E67B-4E9F-821E-5D7941243D4E}"/>
-              </a:ext>
-            </a:extLst>
-          </p:cNvPr>
-          <p:cNvSpPr>
-            <a:spLocks noGrp="1"/>
-          </p:cNvSpPr>
-          <p:nvPr>
-            <p:ph idx="1"/>
-          </p:nvPr>
-        </p:nvSpPr>
-        <p:spPr>
-          <a:xfrm>
-            <a:off x="147693" y="1491173"/>
-            <a:ext cx="8321057" cy="689319"/>
-          </a:xfrm>
-        </p:spPr>
-        <p:txBody>
-          <a:bodyPr>
-            <a:normAutofit/>
-          </a:bodyPr>
-          <a:lstStyle/>
-          <a:p>
-            <a:r>
-              <a:rPr lang="en-IE" sz="2800" dirty="0"/>
-              <a:t>A sample Report in the Database:</a:t>
-            </a:r>
-          </a:p>
-        </p:txBody>
-      </p:sp>
-      <p:pic>
-        <p:nvPicPr>
-          <p:cNvPr id="5" name="Picture 4">
-            <a:extLst>
-              <a:ext uri="{FF2B5EF4-FFF2-40B4-BE49-F238E27FC236}">
-                <a16:creationId xmlns:a16="http://schemas.microsoft.com/office/drawing/2014/main" id="{C5064581-6C44-4296-819F-A6230A861253}"/>
-              </a:ext>
-            </a:extLst>
-          </p:cNvPr>
-          <p:cNvPicPr>
-            <a:picLocks noChangeAspect="1"/>
-          </p:cNvPicPr>
-          <p:nvPr/>
-        </p:nvPicPr>
-        <p:blipFill>
-          <a:blip r:embed="rId2">
-            <a:extLst>
-              <a:ext uri="{28A0092B-C50C-407E-A947-70E740481C1C}">
-                <a14:useLocalDpi xmlns:a14="http://schemas.microsoft.com/office/drawing/2010/main" val="0"/>
-              </a:ext>
-            </a:extLst>
-          </a:blip>
-          <a:stretch>
-            <a:fillRect/>
-          </a:stretch>
-        </p:blipFill>
-        <p:spPr>
-          <a:xfrm>
-            <a:off x="401656" y="2180492"/>
-            <a:ext cx="8872346" cy="4067908"/>
-          </a:xfrm>
-          <a:prstGeom prst="rect">
-            <a:avLst/>
-          </a:prstGeom>
-        </p:spPr>
-      </p:pic>
-    </p:spTree>
-    <p:extLst>
-      <p:ext uri="{BB962C8B-B14F-4D97-AF65-F5344CB8AC3E}">
-        <p14:creationId xmlns:p14="http://schemas.microsoft.com/office/powerpoint/2010/main" val="4237022857"/>
-      </p:ext>
-    </p:extLst>
-  </p:cSld>
-  <p:clrMapOvr>
-    <a:masterClrMapping/>
-  </p:clrMapOvr>
-</p:sld>
-</file>
-
-<file path=ppt/slides/slide9.xml><?xml version="1.0" encoding="utf-8"?>
-<p:sld xmlns:a="http://schemas.openxmlformats.org/drawingml/2006/main" xmlns:r="http://schemas.openxmlformats.org/officeDocument/2006/relationships" xmlns:p="http://schemas.openxmlformats.org/presentationml/2006/main">
-  <p:cSld>
-    <p:spTree>
-      <p:nvGrpSpPr>
-        <p:cNvPr id="1" name=""/>
-        <p:cNvGrpSpPr/>
-        <p:nvPr/>
-      </p:nvGrpSpPr>
-      <p:grpSpPr>
-        <a:xfrm>
-          <a:off x="0" y="0"/>
-          <a:ext cx="0" cy="0"/>
-          <a:chOff x="0" y="0"/>
-          <a:chExt cx="0" cy="0"/>
-        </a:xfrm>
-      </p:grpSpPr>
-      <p:sp>
-        <p:nvSpPr>
-          <p:cNvPr id="2" name="Title 1">
-            <a:extLst>
-              <a:ext uri="{FF2B5EF4-FFF2-40B4-BE49-F238E27FC236}">
-                <a16:creationId xmlns:a16="http://schemas.microsoft.com/office/drawing/2014/main" id="{54336C32-1B0C-458C-9B49-9E216C65F83B}"/>
-              </a:ext>
-            </a:extLst>
-          </p:cNvPr>
-          <p:cNvSpPr>
-            <a:spLocks noGrp="1"/>
-          </p:cNvSpPr>
-          <p:nvPr>
-            <p:ph type="title"/>
-          </p:nvPr>
-        </p:nvSpPr>
-        <p:spPr/>
-        <p:txBody>
-          <a:bodyPr/>
-          <a:lstStyle/>
-          <a:p>
-            <a:pPr algn="ctr"/>
-            <a:r>
-              <a:rPr lang="en-IE" dirty="0"/>
-              <a:t>Overview of Database/UML</a:t>
-            </a:r>
-          </a:p>
-        </p:txBody>
-      </p:sp>
-      <p:sp>
-        <p:nvSpPr>
-          <p:cNvPr id="3" name="Content Placeholder 2">
-            <a:extLst>
-              <a:ext uri="{FF2B5EF4-FFF2-40B4-BE49-F238E27FC236}">
-                <a16:creationId xmlns:a16="http://schemas.microsoft.com/office/drawing/2014/main" id="{C3AA1346-E67B-4E9F-821E-5D7941243D4E}"/>
-              </a:ext>
-            </a:extLst>
-          </p:cNvPr>
-          <p:cNvSpPr>
-            <a:spLocks noGrp="1"/>
-          </p:cNvSpPr>
-          <p:nvPr>
-            <p:ph idx="1"/>
-          </p:nvPr>
-        </p:nvSpPr>
-        <p:spPr>
-          <a:xfrm>
-            <a:off x="147693" y="1491173"/>
-            <a:ext cx="8321057" cy="689319"/>
-          </a:xfrm>
-        </p:spPr>
-        <p:txBody>
-          <a:bodyPr>
-            <a:normAutofit/>
-          </a:bodyPr>
-          <a:lstStyle/>
-          <a:p>
-            <a:r>
-              <a:rPr lang="en-IE" sz="2800" dirty="0"/>
-              <a:t>UML diagram:</a:t>
-            </a:r>
-          </a:p>
-        </p:txBody>
-      </p:sp>
-      <p:pic>
-        <p:nvPicPr>
-          <p:cNvPr id="5" name="Picture 4">
-            <a:extLst>
-              <a:ext uri="{FF2B5EF4-FFF2-40B4-BE49-F238E27FC236}">
-                <a16:creationId xmlns:a16="http://schemas.microsoft.com/office/drawing/2014/main" id="{E90BDD70-E15B-4BBD-B79B-2BEF31BEC621}"/>
-              </a:ext>
-            </a:extLst>
-          </p:cNvPr>
-          <p:cNvPicPr>
-            <a:picLocks noChangeAspect="1"/>
-          </p:cNvPicPr>
-          <p:nvPr/>
-        </p:nvPicPr>
-        <p:blipFill>
-          <a:blip r:embed="rId2">
-            <a:extLst>
-              <a:ext uri="{28A0092B-C50C-407E-A947-70E740481C1C}">
-                <a14:useLocalDpi xmlns:a14="http://schemas.microsoft.com/office/drawing/2010/main" val="0"/>
-              </a:ext>
-            </a:extLst>
-          </a:blip>
-          <a:stretch>
-            <a:fillRect/>
-          </a:stretch>
-        </p:blipFill>
-        <p:spPr>
-          <a:xfrm>
-            <a:off x="3263705" y="1386180"/>
-            <a:ext cx="4194810" cy="5186049"/>
-          </a:xfrm>
-          <a:prstGeom prst="rect">
-            <a:avLst/>
-          </a:prstGeom>
-        </p:spPr>
-      </p:pic>
-    </p:spTree>
-    <p:extLst>
-      <p:ext uri="{BB962C8B-B14F-4D97-AF65-F5344CB8AC3E}">
-        <p14:creationId xmlns:p14="http://schemas.microsoft.com/office/powerpoint/2010/main" val="2544206927"/>
       </p:ext>
     </p:extLst>
   </p:cSld>

--- a/MCTV Limited presentation.pptx
+++ b/MCTV Limited presentation.pptx
@@ -18,9 +18,10 @@
     <p:sldId id="266" r:id="rId12"/>
     <p:sldId id="269" r:id="rId13"/>
     <p:sldId id="268" r:id="rId14"/>
-    <p:sldId id="260" r:id="rId15"/>
-    <p:sldId id="261" r:id="rId16"/>
-    <p:sldId id="262" r:id="rId17"/>
+    <p:sldId id="272" r:id="rId15"/>
+    <p:sldId id="260" r:id="rId16"/>
+    <p:sldId id="261" r:id="rId17"/>
+    <p:sldId id="262" r:id="rId18"/>
   </p:sldIdLst>
   <p:sldSz cx="12192000" cy="6858000"/>
   <p:notesSz cx="6858000" cy="9144000"/>
@@ -6509,7 +6510,12 @@
             <p:ph type="title"/>
           </p:nvPr>
         </p:nvSpPr>
-        <p:spPr/>
+        <p:spPr>
+          <a:xfrm>
+            <a:off x="677333" y="384516"/>
+            <a:ext cx="8753497" cy="1556825"/>
+          </a:xfrm>
+        </p:spPr>
         <p:txBody>
           <a:bodyPr/>
           <a:lstStyle/>
@@ -6518,6 +6524,27 @@
             <a:r>
               <a:rPr lang="en-IE" dirty="0"/>
               <a:t>Software investigated</a:t>
+            </a:r>
+            <a:br>
+              <a:rPr lang="en-IE" dirty="0"/>
+            </a:br>
+            <a:r>
+              <a:rPr lang="en-IE" sz="2800" dirty="0" err="1">
+                <a:solidFill>
+                  <a:schemeClr val="tx1"/>
+                </a:solidFill>
+                <a:latin typeface="+mn-lt"/>
+              </a:rPr>
+              <a:t>Ioana’s</a:t>
+            </a:r>
+            <a:r>
+              <a:rPr lang="en-IE" sz="2800" dirty="0">
+                <a:solidFill>
+                  <a:schemeClr val="tx1"/>
+                </a:solidFill>
+                <a:latin typeface="+mn-lt"/>
+              </a:rPr>
+              <a:t> Report</a:t>
             </a:r>
           </a:p>
         </p:txBody>
@@ -6538,19 +6565,82 @@
             <p:ph idx="1"/>
           </p:nvPr>
         </p:nvSpPr>
-        <p:spPr/>
-        <p:txBody>
-          <a:bodyPr/>
-          <a:lstStyle/>
-          <a:p>
-            <a:endParaRPr lang="en-IE"/>
+        <p:spPr>
+          <a:xfrm>
+            <a:off x="520505" y="1800665"/>
+            <a:ext cx="8753497" cy="4447735"/>
+          </a:xfrm>
+        </p:spPr>
+        <p:txBody>
+          <a:bodyPr>
+            <a:normAutofit/>
+          </a:bodyPr>
+          <a:lstStyle/>
+          <a:p>
+            <a:pPr marL="0" indent="0" algn="ctr">
+              <a:buNone/>
+            </a:pPr>
+            <a:r>
+              <a:rPr lang="en-IE" sz="2800" dirty="0" err="1"/>
+              <a:t>Cloudways</a:t>
+            </a:r>
+            <a:endParaRPr lang="en-IE" sz="2800" dirty="0"/>
+          </a:p>
+          <a:p>
+            <a:pPr marL="0" indent="0" algn="ctr">
+              <a:buNone/>
+            </a:pPr>
+            <a:r>
+              <a:rPr lang="en-IE" dirty="0">
+                <a:hlinkClick r:id="rId2"/>
+              </a:rPr>
+              <a:t>https://www.cloudways.com/en/</a:t>
+            </a:r>
+            <a:r>
+              <a:rPr lang="en-IE" dirty="0"/>
+              <a:t> </a:t>
+            </a:r>
+          </a:p>
+          <a:p>
+            <a:r>
+              <a:rPr lang="en-IE" sz="2400" dirty="0" err="1"/>
+              <a:t>Cloudways</a:t>
+            </a:r>
+            <a:r>
+              <a:rPr lang="en-IE" sz="2400" dirty="0"/>
+              <a:t> is a hosting platform on the cloud</a:t>
+            </a:r>
+          </a:p>
+          <a:p>
+            <a:r>
+              <a:rPr lang="en-IE" sz="2400" dirty="0"/>
+              <a:t>It’s easy to use and allow scaling for websites with a lot of traffic (or even small traffic)</a:t>
+            </a:r>
+          </a:p>
+          <a:p>
+            <a:r>
+              <a:rPr lang="en-IE" sz="2400" dirty="0"/>
+              <a:t>It’s good for e-commerce stores because it has addons, and plugins. As well as reliable maintenance and up time. And it works with WordPress. </a:t>
+            </a:r>
+          </a:p>
+          <a:p>
+            <a:r>
+              <a:rPr lang="en-IE" sz="2400" dirty="0"/>
+              <a:t>It also has top class strong security and automated backup at a reasonable price.</a:t>
+            </a:r>
+          </a:p>
+          <a:p>
+            <a:pPr marL="0" indent="0">
+              <a:buNone/>
+            </a:pPr>
+            <a:endParaRPr lang="en-IE" dirty="0"/>
           </a:p>
         </p:txBody>
       </p:sp>
     </p:spTree>
     <p:extLst>
       <p:ext uri="{BB962C8B-B14F-4D97-AF65-F5344CB8AC3E}">
-        <p14:creationId xmlns:p14="http://schemas.microsoft.com/office/powerpoint/2010/main" val="2279702341"/>
+        <p14:creationId xmlns:p14="http://schemas.microsoft.com/office/powerpoint/2010/main" val="398908405"/>
       </p:ext>
     </p:extLst>
   </p:cSld>
@@ -6582,6 +6672,90 @@
           <p:cNvPr id="2" name="Title 1">
             <a:extLst>
               <a:ext uri="{FF2B5EF4-FFF2-40B4-BE49-F238E27FC236}">
+                <a16:creationId xmlns:a16="http://schemas.microsoft.com/office/drawing/2014/main" id="{F5EBEE3D-593B-4451-B27D-AF52BA32B05A}"/>
+              </a:ext>
+            </a:extLst>
+          </p:cNvPr>
+          <p:cNvSpPr>
+            <a:spLocks noGrp="1"/>
+          </p:cNvSpPr>
+          <p:nvPr>
+            <p:ph type="title"/>
+          </p:nvPr>
+        </p:nvSpPr>
+        <p:spPr/>
+        <p:txBody>
+          <a:bodyPr/>
+          <a:lstStyle/>
+          <a:p>
+            <a:pPr algn="ctr"/>
+            <a:r>
+              <a:rPr lang="en-IE" dirty="0"/>
+              <a:t>Software investigated</a:t>
+            </a:r>
+          </a:p>
+        </p:txBody>
+      </p:sp>
+      <p:sp>
+        <p:nvSpPr>
+          <p:cNvPr id="3" name="Content Placeholder 2">
+            <a:extLst>
+              <a:ext uri="{FF2B5EF4-FFF2-40B4-BE49-F238E27FC236}">
+                <a16:creationId xmlns:a16="http://schemas.microsoft.com/office/drawing/2014/main" id="{8A6F9EC9-10C3-4CD0-A0D6-A7BF713077A4}"/>
+              </a:ext>
+            </a:extLst>
+          </p:cNvPr>
+          <p:cNvSpPr>
+            <a:spLocks noGrp="1"/>
+          </p:cNvSpPr>
+          <p:nvPr>
+            <p:ph idx="1"/>
+          </p:nvPr>
+        </p:nvSpPr>
+        <p:spPr/>
+        <p:txBody>
+          <a:bodyPr/>
+          <a:lstStyle/>
+          <a:p>
+            <a:endParaRPr lang="en-IE"/>
+          </a:p>
+        </p:txBody>
+      </p:sp>
+    </p:spTree>
+    <p:extLst>
+      <p:ext uri="{BB962C8B-B14F-4D97-AF65-F5344CB8AC3E}">
+        <p14:creationId xmlns:p14="http://schemas.microsoft.com/office/powerpoint/2010/main" val="2279702341"/>
+      </p:ext>
+    </p:extLst>
+  </p:cSld>
+  <p:clrMapOvr>
+    <a:masterClrMapping/>
+  </p:clrMapOvr>
+</p:sld>
+</file>
+
+<file path=ppt/slides/slide16.xml><?xml version="1.0" encoding="utf-8"?>
+<p:sld xmlns:a="http://schemas.openxmlformats.org/drawingml/2006/main" xmlns:r="http://schemas.openxmlformats.org/officeDocument/2006/relationships" xmlns:p="http://schemas.openxmlformats.org/presentationml/2006/main">
+  <p:cSld>
+    <p:spTree>
+      <p:nvGrpSpPr>
+        <p:cNvPr id="1" name=""/>
+        <p:cNvGrpSpPr/>
+        <p:nvPr/>
+      </p:nvGrpSpPr>
+      <p:grpSpPr>
+        <a:xfrm>
+          <a:off x="0" y="0"/>
+          <a:ext cx="0" cy="0"/>
+          <a:chOff x="0" y="0"/>
+          <a:chExt cx="0" cy="0"/>
+        </a:xfrm>
+      </p:grpSpPr>
+      <p:sp>
+        <p:nvSpPr>
+          <p:cNvPr id="2" name="Title 1">
+            <a:extLst>
+              <a:ext uri="{FF2B5EF4-FFF2-40B4-BE49-F238E27FC236}">
                 <a16:creationId xmlns:a16="http://schemas.microsoft.com/office/drawing/2014/main" id="{6A149551-0DE8-49C5-807E-0858733DB60D}"/>
               </a:ext>
             </a:extLst>
@@ -6644,7 +6818,7 @@
 </p:sld>
 </file>
 
-<file path=ppt/slides/slide16.xml><?xml version="1.0" encoding="utf-8"?>
+<file path=ppt/slides/slide17.xml><?xml version="1.0" encoding="utf-8"?>
 <p:sld xmlns:a="http://schemas.openxmlformats.org/drawingml/2006/main" xmlns:r="http://schemas.openxmlformats.org/officeDocument/2006/relationships" xmlns:p="http://schemas.openxmlformats.org/presentationml/2006/main">
   <p:cSld>
     <p:spTree>

--- a/MCTV Limited presentation.pptx
+++ b/MCTV Limited presentation.pptx
@@ -6614,14 +6614,19 @@
           <a:p>
             <a:r>
               <a:rPr lang="en-IE" sz="2400" dirty="0"/>
-              <a:t>It’s easy to use and allow scaling for websites with a lot of traffic (or even small traffic)</a:t>
+              <a:t>It’s easy to use and allows scaling for websites with a lot of traffic (or even small traffic)</a:t>
             </a:r>
           </a:p>
           <a:p>
             <a:r>
               <a:rPr lang="en-IE" sz="2400" dirty="0"/>
-              <a:t>It’s good for e-commerce stores because it has addons, and plugins. As well as reliable maintenance and up time. And it works with WordPress. </a:t>
-            </a:r>
+              <a:t>It’s good for e-commerce stores because it has addons and plugins. As well as reliable maintenance and up time. And it works with </a:t>
+            </a:r>
+            <a:r>
+              <a:rPr lang="en-IE" sz="2400"/>
+              <a:t>WordPress.</a:t>
+            </a:r>
+            <a:endParaRPr lang="en-IE" sz="2400" dirty="0"/>
           </a:p>
           <a:p>
             <a:r>

--- a/MCTV Limited presentation.pptx
+++ b/MCTV Limited presentation.pptx
@@ -19,7 +19,7 @@
     <p:sldId id="269" r:id="rId13"/>
     <p:sldId id="268" r:id="rId14"/>
     <p:sldId id="272" r:id="rId15"/>
-    <p:sldId id="260" r:id="rId16"/>
+    <p:sldId id="273" r:id="rId16"/>
     <p:sldId id="261" r:id="rId17"/>
     <p:sldId id="262" r:id="rId18"/>
   </p:sldIdLst>
@@ -6620,13 +6620,8 @@
           <a:p>
             <a:r>
               <a:rPr lang="en-IE" sz="2400" dirty="0"/>
-              <a:t>It’s good for e-commerce stores because it has addons and plugins. As well as reliable maintenance and up time. And it works with </a:t>
-            </a:r>
-            <a:r>
-              <a:rPr lang="en-IE" sz="2400"/>
-              <a:t>WordPress.</a:t>
-            </a:r>
-            <a:endParaRPr lang="en-IE" sz="2400" dirty="0"/>
+              <a:t>It’s good for e-commerce stores because it has addons and plugins. As well as reliable maintenance and up time. And it works with WordPress.</a:t>
+            </a:r>
           </a:p>
           <a:p>
             <a:r>
@@ -6688,7 +6683,12 @@
             <p:ph type="title"/>
           </p:nvPr>
         </p:nvSpPr>
-        <p:spPr/>
+        <p:spPr>
+          <a:xfrm>
+            <a:off x="677333" y="497057"/>
+            <a:ext cx="8753497" cy="1683435"/>
+          </a:xfrm>
+        </p:spPr>
         <p:txBody>
           <a:bodyPr/>
           <a:lstStyle/>
@@ -6697,6 +6697,27 @@
             <a:r>
               <a:rPr lang="en-IE" dirty="0"/>
               <a:t>Software investigated</a:t>
+            </a:r>
+            <a:br>
+              <a:rPr lang="en-IE" dirty="0"/>
+            </a:br>
+            <a:r>
+              <a:rPr lang="en-IE" sz="2800" dirty="0" err="1">
+                <a:solidFill>
+                  <a:schemeClr val="tx1"/>
+                </a:solidFill>
+                <a:latin typeface="+mn-lt"/>
+              </a:rPr>
+              <a:t>Remigija’s</a:t>
+            </a:r>
+            <a:r>
+              <a:rPr lang="en-IE" sz="2800" dirty="0">
+                <a:solidFill>
+                  <a:schemeClr val="tx1"/>
+                </a:solidFill>
+                <a:latin typeface="+mn-lt"/>
+              </a:rPr>
+              <a:t> Report</a:t>
             </a:r>
           </a:p>
         </p:txBody>
@@ -6717,19 +6738,68 @@
             <p:ph idx="1"/>
           </p:nvPr>
         </p:nvSpPr>
-        <p:spPr/>
-        <p:txBody>
-          <a:bodyPr/>
-          <a:lstStyle/>
-          <a:p>
-            <a:endParaRPr lang="en-IE"/>
+        <p:spPr>
+          <a:xfrm>
+            <a:off x="677333" y="1960099"/>
+            <a:ext cx="9059593" cy="4757224"/>
+          </a:xfrm>
+        </p:spPr>
+        <p:txBody>
+          <a:bodyPr>
+            <a:normAutofit/>
+          </a:bodyPr>
+          <a:lstStyle/>
+          <a:p>
+            <a:pPr marL="0" indent="0" algn="ctr">
+              <a:buNone/>
+            </a:pPr>
+            <a:r>
+              <a:rPr lang="en-IE" sz="2800" dirty="0"/>
+              <a:t>Airtable</a:t>
+            </a:r>
+          </a:p>
+          <a:p>
+            <a:pPr marL="0" indent="0" algn="ctr">
+              <a:buNone/>
+            </a:pPr>
+            <a:r>
+              <a:rPr lang="en-IE" u="sng" dirty="0">
+                <a:hlinkClick r:id="rId2"/>
+              </a:rPr>
+              <a:t>https://airtable.com/</a:t>
+            </a:r>
+            <a:endParaRPr lang="en-IE" u="sng" dirty="0"/>
+          </a:p>
+          <a:p>
+            <a:r>
+              <a:rPr lang="en-IE" sz="2400" dirty="0"/>
+              <a:t>Airtable is a cloud-based collaboration service.</a:t>
+            </a:r>
+          </a:p>
+          <a:p>
+            <a:r>
+              <a:rPr lang="en-IE" sz="2400" dirty="0"/>
+              <a:t>It makes organising anything from anywhere and with anyone easy.</a:t>
+            </a:r>
+          </a:p>
+          <a:p>
+            <a:r>
+              <a:rPr lang="en-IE" sz="2400" dirty="0"/>
+              <a:t>Airtable has desktop and mobile apps, that make it easy to edit, collaborate and comment in real time. </a:t>
+            </a:r>
+          </a:p>
+          <a:p>
+            <a:r>
+              <a:rPr lang="en-IE" sz="2400" dirty="0"/>
+              <a:t>Airtable syncs the changes across all devices instantly.</a:t>
+            </a:r>
           </a:p>
         </p:txBody>
       </p:sp>
     </p:spTree>
     <p:extLst>
       <p:ext uri="{BB962C8B-B14F-4D97-AF65-F5344CB8AC3E}">
-        <p14:creationId xmlns:p14="http://schemas.microsoft.com/office/powerpoint/2010/main" val="2279702341"/>
+        <p14:creationId xmlns:p14="http://schemas.microsoft.com/office/powerpoint/2010/main" val="287708010"/>
       </p:ext>
     </p:extLst>
   </p:cSld>
@@ -6772,7 +6842,12 @@
             <p:ph type="title"/>
           </p:nvPr>
         </p:nvSpPr>
-        <p:spPr/>
+        <p:spPr>
+          <a:xfrm>
+            <a:off x="452250" y="101919"/>
+            <a:ext cx="8596668" cy="1320800"/>
+          </a:xfrm>
+        </p:spPr>
         <p:txBody>
           <a:bodyPr/>
           <a:lstStyle/>
@@ -6801,11 +6876,471 @@
             <p:ph idx="1"/>
           </p:nvPr>
         </p:nvSpPr>
-        <p:spPr/>
-        <p:txBody>
-          <a:bodyPr/>
-          <a:lstStyle/>
-          <a:p>
+        <p:spPr>
+          <a:xfrm>
+            <a:off x="452250" y="1002966"/>
+            <a:ext cx="8705818" cy="5753115"/>
+          </a:xfrm>
+        </p:spPr>
+        <p:txBody>
+          <a:bodyPr>
+            <a:normAutofit/>
+          </a:bodyPr>
+          <a:lstStyle/>
+          <a:p>
+            <a:r>
+              <a:rPr lang="en-IE" sz="2600" dirty="0"/>
+              <a:t>The colour scheme we chose for the company consists mainly of various shades of blue. These colours include:</a:t>
+            </a:r>
+          </a:p>
+          <a:p>
+            <a:endParaRPr lang="en-IE" sz="2400" dirty="0"/>
+          </a:p>
+          <a:p>
+            <a:endParaRPr lang="en-IE" sz="2400" dirty="0"/>
+          </a:p>
+          <a:p>
+            <a:endParaRPr lang="en-IE" sz="2400" dirty="0"/>
+          </a:p>
+          <a:p>
+            <a:endParaRPr lang="en-IE" sz="2400" dirty="0"/>
+          </a:p>
+          <a:p>
+            <a:endParaRPr lang="en-IE" sz="2400" dirty="0"/>
+          </a:p>
+          <a:p>
+            <a:endParaRPr lang="en-IE" sz="2400" dirty="0"/>
+          </a:p>
+          <a:p>
+            <a:endParaRPr lang="en-IE" sz="2400" dirty="0"/>
+          </a:p>
+          <a:p>
+            <a:pPr marL="0" indent="0">
+              <a:buNone/>
+            </a:pPr>
+            <a:endParaRPr lang="en-IE" sz="2400" dirty="0"/>
+          </a:p>
+          <a:p>
+            <a:r>
+              <a:rPr lang="en-IE" sz="2600" dirty="0"/>
+              <a:t>In addition, Black and White is also included. </a:t>
+            </a:r>
+          </a:p>
+        </p:txBody>
+      </p:sp>
+      <p:pic>
+        <p:nvPicPr>
+          <p:cNvPr id="5" name="Picture 4">
+            <a:extLst>
+              <a:ext uri="{FF2B5EF4-FFF2-40B4-BE49-F238E27FC236}">
+                <a16:creationId xmlns:a16="http://schemas.microsoft.com/office/drawing/2014/main" id="{D22C527C-21E4-4A43-9A99-5E172A800C16}"/>
+              </a:ext>
+            </a:extLst>
+          </p:cNvPr>
+          <p:cNvPicPr>
+            <a:picLocks noChangeAspect="1"/>
+          </p:cNvPicPr>
+          <p:nvPr/>
+        </p:nvPicPr>
+        <p:blipFill>
+          <a:blip r:embed="rId2">
+            <a:extLst>
+              <a:ext uri="{28A0092B-C50C-407E-A947-70E740481C1C}">
+                <a14:useLocalDpi xmlns:a14="http://schemas.microsoft.com/office/drawing/2010/main" val="0"/>
+              </a:ext>
+            </a:extLst>
+          </a:blip>
+          <a:stretch>
+            <a:fillRect/>
+          </a:stretch>
+        </p:blipFill>
+        <p:spPr>
+          <a:xfrm>
+            <a:off x="6631320" y="2063317"/>
+            <a:ext cx="1305107" cy="1362265"/>
+          </a:xfrm>
+          <a:prstGeom prst="ellipse">
+            <a:avLst/>
+          </a:prstGeom>
+          <a:ln w="63500" cap="rnd">
+            <a:solidFill>
+              <a:srgbClr val="333333"/>
+            </a:solidFill>
+          </a:ln>
+          <a:effectLst>
+            <a:outerShdw blurRad="381000" dist="292100" dir="5400000" sx="-80000" sy="-18000" rotWithShape="0">
+              <a:srgbClr val="000000">
+                <a:alpha val="22000"/>
+              </a:srgbClr>
+            </a:outerShdw>
+          </a:effectLst>
+          <a:scene3d>
+            <a:camera prst="orthographicFront"/>
+            <a:lightRig rig="contrasting" dir="t">
+              <a:rot lat="0" lon="0" rev="3000000"/>
+            </a:lightRig>
+          </a:scene3d>
+          <a:sp3d contourW="7620">
+            <a:bevelT w="95250" h="31750"/>
+            <a:contourClr>
+              <a:srgbClr val="333333"/>
+            </a:contourClr>
+          </a:sp3d>
+        </p:spPr>
+      </p:pic>
+      <p:sp>
+        <p:nvSpPr>
+          <p:cNvPr id="6" name="TextBox 5">
+            <a:extLst>
+              <a:ext uri="{FF2B5EF4-FFF2-40B4-BE49-F238E27FC236}">
+                <a16:creationId xmlns:a16="http://schemas.microsoft.com/office/drawing/2014/main" id="{B30AB327-4138-4658-9FE2-D17504FB0E70}"/>
+              </a:ext>
+            </a:extLst>
+          </p:cNvPr>
+          <p:cNvSpPr txBox="1"/>
+          <p:nvPr/>
+        </p:nvSpPr>
+        <p:spPr>
+          <a:xfrm>
+            <a:off x="1041692" y="2541679"/>
+            <a:ext cx="4653685" cy="461665"/>
+          </a:xfrm>
+          <a:prstGeom prst="rect">
+            <a:avLst/>
+          </a:prstGeom>
+          <a:noFill/>
+        </p:spPr>
+        <p:txBody>
+          <a:bodyPr wrap="square" rtlCol="0">
+            <a:spAutoFit/>
+          </a:bodyPr>
+          <a:lstStyle/>
+          <a:p>
+            <a:r>
+              <a:rPr lang="en-IE" sz="2400" dirty="0"/>
+              <a:t>Strong Blue; Hex code: #0072BC</a:t>
+            </a:r>
+          </a:p>
+        </p:txBody>
+      </p:sp>
+      <p:sp>
+        <p:nvSpPr>
+          <p:cNvPr id="7" name="Arrow: Right 6">
+            <a:extLst>
+              <a:ext uri="{FF2B5EF4-FFF2-40B4-BE49-F238E27FC236}">
+                <a16:creationId xmlns:a16="http://schemas.microsoft.com/office/drawing/2014/main" id="{D016E511-D05C-4821-9615-86D1BC0737BD}"/>
+              </a:ext>
+            </a:extLst>
+          </p:cNvPr>
+          <p:cNvSpPr/>
+          <p:nvPr/>
+        </p:nvSpPr>
+        <p:spPr>
+          <a:xfrm>
+            <a:off x="5725484" y="2621065"/>
+            <a:ext cx="735458" cy="300527"/>
+          </a:xfrm>
+          <a:prstGeom prst="rightArrow">
+            <a:avLst/>
+          </a:prstGeom>
+        </p:spPr>
+        <p:style>
+          <a:lnRef idx="3">
+            <a:schemeClr val="lt1"/>
+          </a:lnRef>
+          <a:fillRef idx="1">
+            <a:schemeClr val="dk1"/>
+          </a:fillRef>
+          <a:effectRef idx="1">
+            <a:schemeClr val="dk1"/>
+          </a:effectRef>
+          <a:fontRef idx="minor">
+            <a:schemeClr val="lt1"/>
+          </a:fontRef>
+        </p:style>
+        <p:txBody>
+          <a:bodyPr rtlCol="0" anchor="ctr"/>
+          <a:lstStyle/>
+          <a:p>
+            <a:pPr algn="ctr"/>
+            <a:endParaRPr lang="en-IE"/>
+          </a:p>
+        </p:txBody>
+      </p:sp>
+      <p:pic>
+        <p:nvPicPr>
+          <p:cNvPr id="9" name="Picture 8">
+            <a:extLst>
+              <a:ext uri="{FF2B5EF4-FFF2-40B4-BE49-F238E27FC236}">
+                <a16:creationId xmlns:a16="http://schemas.microsoft.com/office/drawing/2014/main" id="{107719EB-9B39-4990-97E6-978EF6F7A6EB}"/>
+              </a:ext>
+            </a:extLst>
+          </p:cNvPr>
+          <p:cNvPicPr>
+            <a:picLocks noChangeAspect="1"/>
+          </p:cNvPicPr>
+          <p:nvPr/>
+        </p:nvPicPr>
+        <p:blipFill>
+          <a:blip r:embed="rId3">
+            <a:extLst>
+              <a:ext uri="{28A0092B-C50C-407E-A947-70E740481C1C}">
+                <a14:useLocalDpi xmlns:a14="http://schemas.microsoft.com/office/drawing/2010/main" val="0"/>
+              </a:ext>
+            </a:extLst>
+          </a:blip>
+          <a:stretch>
+            <a:fillRect/>
+          </a:stretch>
+        </p:blipFill>
+        <p:spPr>
+          <a:xfrm>
+            <a:off x="1070813" y="3157467"/>
+            <a:ext cx="1267002" cy="1324160"/>
+          </a:xfrm>
+          <a:prstGeom prst="ellipse">
+            <a:avLst/>
+          </a:prstGeom>
+          <a:ln w="63500" cap="rnd">
+            <a:solidFill>
+              <a:srgbClr val="333333"/>
+            </a:solidFill>
+          </a:ln>
+          <a:effectLst>
+            <a:outerShdw blurRad="381000" dist="292100" dir="5400000" sx="-80000" sy="-18000" rotWithShape="0">
+              <a:srgbClr val="000000">
+                <a:alpha val="22000"/>
+              </a:srgbClr>
+            </a:outerShdw>
+          </a:effectLst>
+          <a:scene3d>
+            <a:camera prst="orthographicFront"/>
+            <a:lightRig rig="contrasting" dir="t">
+              <a:rot lat="0" lon="0" rev="3000000"/>
+            </a:lightRig>
+          </a:scene3d>
+          <a:sp3d contourW="7620">
+            <a:bevelT w="95250" h="31750"/>
+            <a:contourClr>
+              <a:srgbClr val="333333"/>
+            </a:contourClr>
+          </a:sp3d>
+        </p:spPr>
+      </p:pic>
+      <p:sp>
+        <p:nvSpPr>
+          <p:cNvPr id="10" name="TextBox 9">
+            <a:extLst>
+              <a:ext uri="{FF2B5EF4-FFF2-40B4-BE49-F238E27FC236}">
+                <a16:creationId xmlns:a16="http://schemas.microsoft.com/office/drawing/2014/main" id="{97D92DE6-3D05-485E-B242-8226929D490B}"/>
+              </a:ext>
+            </a:extLst>
+          </p:cNvPr>
+          <p:cNvSpPr txBox="1"/>
+          <p:nvPr/>
+        </p:nvSpPr>
+        <p:spPr>
+          <a:xfrm>
+            <a:off x="4223380" y="3588715"/>
+            <a:ext cx="5190979" cy="461665"/>
+          </a:xfrm>
+          <a:prstGeom prst="rect">
+            <a:avLst/>
+          </a:prstGeom>
+          <a:noFill/>
+        </p:spPr>
+        <p:txBody>
+          <a:bodyPr wrap="square" rtlCol="0">
+            <a:spAutoFit/>
+          </a:bodyPr>
+          <a:lstStyle/>
+          <a:p>
+            <a:r>
+              <a:rPr lang="en-IE" sz="2400" dirty="0"/>
+              <a:t>Very Soft Cyan; Hex code: #BAF2F8</a:t>
+            </a:r>
+          </a:p>
+        </p:txBody>
+      </p:sp>
+      <p:sp>
+        <p:nvSpPr>
+          <p:cNvPr id="11" name="Arrow: Right 10">
+            <a:extLst>
+              <a:ext uri="{FF2B5EF4-FFF2-40B4-BE49-F238E27FC236}">
+                <a16:creationId xmlns:a16="http://schemas.microsoft.com/office/drawing/2014/main" id="{DBF69A94-B653-4580-96B9-D8138F1E09B5}"/>
+              </a:ext>
+            </a:extLst>
+          </p:cNvPr>
+          <p:cNvSpPr/>
+          <p:nvPr/>
+        </p:nvSpPr>
+        <p:spPr>
+          <a:xfrm rot="10800000">
+            <a:off x="2897150" y="3639905"/>
+            <a:ext cx="1083212" cy="309446"/>
+          </a:xfrm>
+          <a:prstGeom prst="rightArrow">
+            <a:avLst/>
+          </a:prstGeom>
+        </p:spPr>
+        <p:style>
+          <a:lnRef idx="3">
+            <a:schemeClr val="lt1"/>
+          </a:lnRef>
+          <a:fillRef idx="1">
+            <a:schemeClr val="dk1"/>
+          </a:fillRef>
+          <a:effectRef idx="1">
+            <a:schemeClr val="dk1"/>
+          </a:effectRef>
+          <a:fontRef idx="minor">
+            <a:schemeClr val="lt1"/>
+          </a:fontRef>
+        </p:style>
+        <p:txBody>
+          <a:bodyPr rtlCol="0" anchor="ctr"/>
+          <a:lstStyle/>
+          <a:p>
+            <a:pPr algn="ctr"/>
+            <a:endParaRPr lang="en-IE" dirty="0"/>
+          </a:p>
+        </p:txBody>
+      </p:sp>
+      <p:pic>
+        <p:nvPicPr>
+          <p:cNvPr id="13" name="Picture 12">
+            <a:extLst>
+              <a:ext uri="{FF2B5EF4-FFF2-40B4-BE49-F238E27FC236}">
+                <a16:creationId xmlns:a16="http://schemas.microsoft.com/office/drawing/2014/main" id="{85139D25-7F34-4DE5-B124-2BC8E439B7E6}"/>
+              </a:ext>
+            </a:extLst>
+          </p:cNvPr>
+          <p:cNvPicPr>
+            <a:picLocks noChangeAspect="1"/>
+          </p:cNvPicPr>
+          <p:nvPr/>
+        </p:nvPicPr>
+        <p:blipFill>
+          <a:blip r:embed="rId4">
+            <a:extLst>
+              <a:ext uri="{28A0092B-C50C-407E-A947-70E740481C1C}">
+                <a14:useLocalDpi xmlns:a14="http://schemas.microsoft.com/office/drawing/2010/main" val="0"/>
+              </a:ext>
+            </a:extLst>
+          </a:blip>
+          <a:stretch>
+            <a:fillRect/>
+          </a:stretch>
+        </p:blipFill>
+        <p:spPr>
+          <a:xfrm>
+            <a:off x="7066669" y="4237075"/>
+            <a:ext cx="1352739" cy="1438476"/>
+          </a:xfrm>
+          <a:prstGeom prst="ellipse">
+            <a:avLst/>
+          </a:prstGeom>
+          <a:ln w="63500" cap="rnd">
+            <a:solidFill>
+              <a:srgbClr val="333333"/>
+            </a:solidFill>
+          </a:ln>
+          <a:effectLst>
+            <a:outerShdw blurRad="381000" dist="292100" dir="5400000" sx="-80000" sy="-18000" rotWithShape="0">
+              <a:srgbClr val="000000">
+                <a:alpha val="22000"/>
+              </a:srgbClr>
+            </a:outerShdw>
+          </a:effectLst>
+          <a:scene3d>
+            <a:camera prst="orthographicFront"/>
+            <a:lightRig rig="contrasting" dir="t">
+              <a:rot lat="0" lon="0" rev="3000000"/>
+            </a:lightRig>
+          </a:scene3d>
+          <a:sp3d contourW="7620">
+            <a:bevelT w="95250" h="31750"/>
+            <a:contourClr>
+              <a:srgbClr val="333333"/>
+            </a:contourClr>
+          </a:sp3d>
+        </p:spPr>
+      </p:pic>
+      <p:sp>
+        <p:nvSpPr>
+          <p:cNvPr id="14" name="TextBox 13">
+            <a:extLst>
+              <a:ext uri="{FF2B5EF4-FFF2-40B4-BE49-F238E27FC236}">
+                <a16:creationId xmlns:a16="http://schemas.microsoft.com/office/drawing/2014/main" id="{FF692D20-550D-4D95-82D7-64F211771C75}"/>
+              </a:ext>
+            </a:extLst>
+          </p:cNvPr>
+          <p:cNvSpPr txBox="1"/>
+          <p:nvPr/>
+        </p:nvSpPr>
+        <p:spPr>
+          <a:xfrm>
+            <a:off x="1111914" y="4759458"/>
+            <a:ext cx="4653684" cy="461665"/>
+          </a:xfrm>
+          <a:prstGeom prst="rect">
+            <a:avLst/>
+          </a:prstGeom>
+          <a:noFill/>
+        </p:spPr>
+        <p:txBody>
+          <a:bodyPr wrap="square" rtlCol="0">
+            <a:spAutoFit/>
+          </a:bodyPr>
+          <a:lstStyle/>
+          <a:p>
+            <a:r>
+              <a:rPr lang="en-IE" sz="2400" dirty="0"/>
+              <a:t>Vivid Blue; Hex code: #33ACFF</a:t>
+            </a:r>
+          </a:p>
+        </p:txBody>
+      </p:sp>
+      <p:sp>
+        <p:nvSpPr>
+          <p:cNvPr id="15" name="Arrow: Right 14">
+            <a:extLst>
+              <a:ext uri="{FF2B5EF4-FFF2-40B4-BE49-F238E27FC236}">
+                <a16:creationId xmlns:a16="http://schemas.microsoft.com/office/drawing/2014/main" id="{F8E95F5C-3B7B-47B0-8B65-DAF62F9FB966}"/>
+              </a:ext>
+            </a:extLst>
+          </p:cNvPr>
+          <p:cNvSpPr/>
+          <p:nvPr/>
+        </p:nvSpPr>
+        <p:spPr>
+          <a:xfrm>
+            <a:off x="5748997" y="4811241"/>
+            <a:ext cx="946854" cy="290144"/>
+          </a:xfrm>
+          <a:prstGeom prst="rightArrow">
+            <a:avLst/>
+          </a:prstGeom>
+        </p:spPr>
+        <p:style>
+          <a:lnRef idx="3">
+            <a:schemeClr val="lt1"/>
+          </a:lnRef>
+          <a:fillRef idx="1">
+            <a:schemeClr val="dk1"/>
+          </a:fillRef>
+          <a:effectRef idx="1">
+            <a:schemeClr val="dk1"/>
+          </a:effectRef>
+          <a:fontRef idx="minor">
+            <a:schemeClr val="lt1"/>
+          </a:fontRef>
+        </p:style>
+        <p:txBody>
+          <a:bodyPr rtlCol="0" anchor="ctr"/>
+          <a:lstStyle/>
+          <a:p>
+            <a:pPr algn="ctr"/>
             <a:endParaRPr lang="en-IE"/>
           </a:p>
         </p:txBody>
@@ -7105,7 +7640,7 @@
             </a:pPr>
             <a:r>
               <a:rPr lang="en-IE" sz="2400" dirty="0"/>
-              <a:t>Database Tasks:|</a:t>
+              <a:t>Database Tasks:</a:t>
             </a:r>
           </a:p>
           <a:p>

--- a/MCTV Limited presentation.pptx
+++ b/MCTV Limited presentation.pptx
@@ -16,12 +16,13 @@
     <p:sldId id="265" r:id="rId10"/>
     <p:sldId id="267" r:id="rId11"/>
     <p:sldId id="266" r:id="rId12"/>
-    <p:sldId id="269" r:id="rId13"/>
-    <p:sldId id="268" r:id="rId14"/>
+    <p:sldId id="268" r:id="rId13"/>
+    <p:sldId id="269" r:id="rId14"/>
     <p:sldId id="272" r:id="rId15"/>
     <p:sldId id="273" r:id="rId16"/>
     <p:sldId id="261" r:id="rId17"/>
     <p:sldId id="262" r:id="rId18"/>
+    <p:sldId id="274" r:id="rId19"/>
   </p:sldIdLst>
   <p:sldSz cx="12192000" cy="6858000"/>
   <p:notesSz cx="6858000" cy="9144000"/>
@@ -873,7 +874,7 @@
           <a:p>
             <a:fld id="{124B21D1-A038-43BE-88B8-A31057B0396B}" type="datetimeFigureOut">
               <a:rPr lang="en-IE" smtClean="0"/>
-              <a:t>15/04/2018</a:t>
+              <a:t>16/04/2018</a:t>
             </a:fld>
             <a:endParaRPr lang="en-IE"/>
           </a:p>
@@ -1124,7 +1125,7 @@
           <a:p>
             <a:fld id="{124B21D1-A038-43BE-88B8-A31057B0396B}" type="datetimeFigureOut">
               <a:rPr lang="en-IE" smtClean="0"/>
-              <a:t>15/04/2018</a:t>
+              <a:t>16/04/2018</a:t>
             </a:fld>
             <a:endParaRPr lang="en-IE"/>
           </a:p>
@@ -1438,7 +1439,7 @@
           <a:p>
             <a:fld id="{124B21D1-A038-43BE-88B8-A31057B0396B}" type="datetimeFigureOut">
               <a:rPr lang="en-IE" smtClean="0"/>
-              <a:t>15/04/2018</a:t>
+              <a:t>16/04/2018</a:t>
             </a:fld>
             <a:endParaRPr lang="en-IE"/>
           </a:p>
@@ -1771,7 +1772,7 @@
           <a:p>
             <a:fld id="{124B21D1-A038-43BE-88B8-A31057B0396B}" type="datetimeFigureOut">
               <a:rPr lang="en-IE" smtClean="0"/>
-              <a:t>15/04/2018</a:t>
+              <a:t>16/04/2018</a:t>
             </a:fld>
             <a:endParaRPr lang="en-IE"/>
           </a:p>
@@ -2085,7 +2086,7 @@
           <a:p>
             <a:fld id="{124B21D1-A038-43BE-88B8-A31057B0396B}" type="datetimeFigureOut">
               <a:rPr lang="en-IE" smtClean="0"/>
-              <a:t>15/04/2018</a:t>
+              <a:t>16/04/2018</a:t>
             </a:fld>
             <a:endParaRPr lang="en-IE"/>
           </a:p>
@@ -2478,7 +2479,7 @@
           <a:p>
             <a:fld id="{124B21D1-A038-43BE-88B8-A31057B0396B}" type="datetimeFigureOut">
               <a:rPr lang="en-IE" smtClean="0"/>
-              <a:t>15/04/2018</a:t>
+              <a:t>16/04/2018</a:t>
             </a:fld>
             <a:endParaRPr lang="en-IE"/>
           </a:p>
@@ -2648,7 +2649,7 @@
           <a:p>
             <a:fld id="{124B21D1-A038-43BE-88B8-A31057B0396B}" type="datetimeFigureOut">
               <a:rPr lang="en-IE" smtClean="0"/>
-              <a:t>15/04/2018</a:t>
+              <a:t>16/04/2018</a:t>
             </a:fld>
             <a:endParaRPr lang="en-IE"/>
           </a:p>
@@ -2828,7 +2829,7 @@
           <a:p>
             <a:fld id="{124B21D1-A038-43BE-88B8-A31057B0396B}" type="datetimeFigureOut">
               <a:rPr lang="en-IE" smtClean="0"/>
-              <a:t>15/04/2018</a:t>
+              <a:t>16/04/2018</a:t>
             </a:fld>
             <a:endParaRPr lang="en-IE"/>
           </a:p>
@@ -2998,7 +2999,7 @@
           <a:p>
             <a:fld id="{124B21D1-A038-43BE-88B8-A31057B0396B}" type="datetimeFigureOut">
               <a:rPr lang="en-IE" smtClean="0"/>
-              <a:t>15/04/2018</a:t>
+              <a:t>16/04/2018</a:t>
             </a:fld>
             <a:endParaRPr lang="en-IE"/>
           </a:p>
@@ -3245,7 +3246,7 @@
           <a:p>
             <a:fld id="{124B21D1-A038-43BE-88B8-A31057B0396B}" type="datetimeFigureOut">
               <a:rPr lang="en-IE" smtClean="0"/>
-              <a:t>15/04/2018</a:t>
+              <a:t>16/04/2018</a:t>
             </a:fld>
             <a:endParaRPr lang="en-IE"/>
           </a:p>
@@ -3477,7 +3478,7 @@
           <a:p>
             <a:fld id="{124B21D1-A038-43BE-88B8-A31057B0396B}" type="datetimeFigureOut">
               <a:rPr lang="en-IE" smtClean="0"/>
-              <a:t>15/04/2018</a:t>
+              <a:t>16/04/2018</a:t>
             </a:fld>
             <a:endParaRPr lang="en-IE"/>
           </a:p>
@@ -3851,7 +3852,7 @@
           <a:p>
             <a:fld id="{124B21D1-A038-43BE-88B8-A31057B0396B}" type="datetimeFigureOut">
               <a:rPr lang="en-IE" smtClean="0"/>
-              <a:t>15/04/2018</a:t>
+              <a:t>16/04/2018</a:t>
             </a:fld>
             <a:endParaRPr lang="en-IE"/>
           </a:p>
@@ -3974,7 +3975,7 @@
           <a:p>
             <a:fld id="{124B21D1-A038-43BE-88B8-A31057B0396B}" type="datetimeFigureOut">
               <a:rPr lang="en-IE" smtClean="0"/>
-              <a:t>15/04/2018</a:t>
+              <a:t>16/04/2018</a:t>
             </a:fld>
             <a:endParaRPr lang="en-IE"/>
           </a:p>
@@ -4069,7 +4070,7 @@
           <a:p>
             <a:fld id="{124B21D1-A038-43BE-88B8-A31057B0396B}" type="datetimeFigureOut">
               <a:rPr lang="en-IE" smtClean="0"/>
-              <a:t>15/04/2018</a:t>
+              <a:t>16/04/2018</a:t>
             </a:fld>
             <a:endParaRPr lang="en-IE"/>
           </a:p>
@@ -4324,7 +4325,7 @@
           <a:p>
             <a:fld id="{124B21D1-A038-43BE-88B8-A31057B0396B}" type="datetimeFigureOut">
               <a:rPr lang="en-IE" smtClean="0"/>
-              <a:t>15/04/2018</a:t>
+              <a:t>16/04/2018</a:t>
             </a:fld>
             <a:endParaRPr lang="en-IE"/>
           </a:p>
@@ -4629,7 +4630,7 @@
           <a:p>
             <a:fld id="{124B21D1-A038-43BE-88B8-A31057B0396B}" type="datetimeFigureOut">
               <a:rPr lang="en-IE" smtClean="0"/>
-              <a:t>15/04/2018</a:t>
+              <a:t>16/04/2018</a:t>
             </a:fld>
             <a:endParaRPr lang="en-IE"/>
           </a:p>
@@ -5331,7 +5332,7 @@
           <a:p>
             <a:fld id="{124B21D1-A038-43BE-88B8-A31057B0396B}" type="datetimeFigureOut">
               <a:rPr lang="en-IE" smtClean="0"/>
-              <a:t>15/04/2018</a:t>
+              <a:t>16/04/2018</a:t>
             </a:fld>
             <a:endParaRPr lang="en-IE"/>
           </a:p>
@@ -6286,6 +6287,135 @@
           <a:p>
             <a:r>
               <a:rPr lang="en-IE" sz="2800" dirty="0"/>
+              <a:t>UML description by Remigija:</a:t>
+            </a:r>
+          </a:p>
+        </p:txBody>
+      </p:sp>
+      <p:pic>
+        <p:nvPicPr>
+          <p:cNvPr id="8" name="Picture 7">
+            <a:extLst>
+              <a:ext uri="{FF2B5EF4-FFF2-40B4-BE49-F238E27FC236}">
+                <a16:creationId xmlns:a16="http://schemas.microsoft.com/office/drawing/2014/main" id="{550C3779-1D15-4F28-84B7-1BAA664FCAA6}"/>
+              </a:ext>
+            </a:extLst>
+          </p:cNvPr>
+          <p:cNvPicPr>
+            <a:picLocks noChangeAspect="1"/>
+          </p:cNvPicPr>
+          <p:nvPr/>
+        </p:nvPicPr>
+        <p:blipFill rotWithShape="1">
+          <a:blip r:embed="rId2">
+            <a:extLst>
+              <a:ext uri="{28A0092B-C50C-407E-A947-70E740481C1C}">
+                <a14:useLocalDpi xmlns:a14="http://schemas.microsoft.com/office/drawing/2010/main" val="0"/>
+              </a:ext>
+            </a:extLst>
+          </a:blip>
+          <a:srcRect l="3251" t="2627" b="1583"/>
+          <a:stretch/>
+        </p:blipFill>
+        <p:spPr>
+          <a:xfrm>
+            <a:off x="338517" y="1930399"/>
+            <a:ext cx="9499717" cy="4611077"/>
+          </a:xfrm>
+          <a:prstGeom prst="rect">
+            <a:avLst/>
+          </a:prstGeom>
+        </p:spPr>
+      </p:pic>
+    </p:spTree>
+    <p:extLst>
+      <p:ext uri="{BB962C8B-B14F-4D97-AF65-F5344CB8AC3E}">
+        <p14:creationId xmlns:p14="http://schemas.microsoft.com/office/powerpoint/2010/main" val="1406252108"/>
+      </p:ext>
+    </p:extLst>
+  </p:cSld>
+  <p:clrMapOvr>
+    <a:masterClrMapping/>
+  </p:clrMapOvr>
+</p:sld>
+</file>
+
+<file path=ppt/slides/slide13.xml><?xml version="1.0" encoding="utf-8"?>
+<p:sld xmlns:a="http://schemas.openxmlformats.org/drawingml/2006/main" xmlns:r="http://schemas.openxmlformats.org/officeDocument/2006/relationships" xmlns:p="http://schemas.openxmlformats.org/presentationml/2006/main">
+  <p:cSld>
+    <p:spTree>
+      <p:nvGrpSpPr>
+        <p:cNvPr id="1" name=""/>
+        <p:cNvGrpSpPr/>
+        <p:nvPr/>
+      </p:nvGrpSpPr>
+      <p:grpSpPr>
+        <a:xfrm>
+          <a:off x="0" y="0"/>
+          <a:ext cx="0" cy="0"/>
+          <a:chOff x="0" y="0"/>
+          <a:chExt cx="0" cy="0"/>
+        </a:xfrm>
+      </p:grpSpPr>
+      <p:sp>
+        <p:nvSpPr>
+          <p:cNvPr id="2" name="Title 1">
+            <a:extLst>
+              <a:ext uri="{FF2B5EF4-FFF2-40B4-BE49-F238E27FC236}">
+                <a16:creationId xmlns:a16="http://schemas.microsoft.com/office/drawing/2014/main" id="{54336C32-1B0C-458C-9B49-9E216C65F83B}"/>
+              </a:ext>
+            </a:extLst>
+          </p:cNvPr>
+          <p:cNvSpPr>
+            <a:spLocks noGrp="1"/>
+          </p:cNvSpPr>
+          <p:nvPr>
+            <p:ph type="title"/>
+          </p:nvPr>
+        </p:nvSpPr>
+        <p:spPr/>
+        <p:txBody>
+          <a:bodyPr/>
+          <a:lstStyle/>
+          <a:p>
+            <a:pPr algn="ctr"/>
+            <a:r>
+              <a:rPr lang="en-IE" dirty="0"/>
+              <a:t>Overview of Database/UML</a:t>
+            </a:r>
+          </a:p>
+        </p:txBody>
+      </p:sp>
+      <p:sp>
+        <p:nvSpPr>
+          <p:cNvPr id="3" name="Content Placeholder 2">
+            <a:extLst>
+              <a:ext uri="{FF2B5EF4-FFF2-40B4-BE49-F238E27FC236}">
+                <a16:creationId xmlns:a16="http://schemas.microsoft.com/office/drawing/2014/main" id="{C3AA1346-E67B-4E9F-821E-5D7941243D4E}"/>
+              </a:ext>
+            </a:extLst>
+          </p:cNvPr>
+          <p:cNvSpPr>
+            <a:spLocks noGrp="1"/>
+          </p:cNvSpPr>
+          <p:nvPr>
+            <p:ph idx="1"/>
+          </p:nvPr>
+        </p:nvSpPr>
+        <p:spPr>
+          <a:xfrm>
+            <a:off x="232100" y="1241081"/>
+            <a:ext cx="8321057" cy="689319"/>
+          </a:xfrm>
+        </p:spPr>
+        <p:txBody>
+          <a:bodyPr>
+            <a:normAutofit/>
+          </a:bodyPr>
+          <a:lstStyle/>
+          <a:p>
+            <a:r>
+              <a:rPr lang="en-IE" sz="2800" dirty="0"/>
               <a:t>UML description by </a:t>
             </a:r>
             <a:r>
@@ -6348,135 +6478,6 @@
 </p:sld>
 </file>
 
-<file path=ppt/slides/slide13.xml><?xml version="1.0" encoding="utf-8"?>
-<p:sld xmlns:a="http://schemas.openxmlformats.org/drawingml/2006/main" xmlns:r="http://schemas.openxmlformats.org/officeDocument/2006/relationships" xmlns:p="http://schemas.openxmlformats.org/presentationml/2006/main">
-  <p:cSld>
-    <p:spTree>
-      <p:nvGrpSpPr>
-        <p:cNvPr id="1" name=""/>
-        <p:cNvGrpSpPr/>
-        <p:nvPr/>
-      </p:nvGrpSpPr>
-      <p:grpSpPr>
-        <a:xfrm>
-          <a:off x="0" y="0"/>
-          <a:ext cx="0" cy="0"/>
-          <a:chOff x="0" y="0"/>
-          <a:chExt cx="0" cy="0"/>
-        </a:xfrm>
-      </p:grpSpPr>
-      <p:sp>
-        <p:nvSpPr>
-          <p:cNvPr id="2" name="Title 1">
-            <a:extLst>
-              <a:ext uri="{FF2B5EF4-FFF2-40B4-BE49-F238E27FC236}">
-                <a16:creationId xmlns:a16="http://schemas.microsoft.com/office/drawing/2014/main" id="{54336C32-1B0C-458C-9B49-9E216C65F83B}"/>
-              </a:ext>
-            </a:extLst>
-          </p:cNvPr>
-          <p:cNvSpPr>
-            <a:spLocks noGrp="1"/>
-          </p:cNvSpPr>
-          <p:nvPr>
-            <p:ph type="title"/>
-          </p:nvPr>
-        </p:nvSpPr>
-        <p:spPr/>
-        <p:txBody>
-          <a:bodyPr/>
-          <a:lstStyle/>
-          <a:p>
-            <a:pPr algn="ctr"/>
-            <a:r>
-              <a:rPr lang="en-IE" dirty="0"/>
-              <a:t>Overview of Database/UML</a:t>
-            </a:r>
-          </a:p>
-        </p:txBody>
-      </p:sp>
-      <p:sp>
-        <p:nvSpPr>
-          <p:cNvPr id="3" name="Content Placeholder 2">
-            <a:extLst>
-              <a:ext uri="{FF2B5EF4-FFF2-40B4-BE49-F238E27FC236}">
-                <a16:creationId xmlns:a16="http://schemas.microsoft.com/office/drawing/2014/main" id="{C3AA1346-E67B-4E9F-821E-5D7941243D4E}"/>
-              </a:ext>
-            </a:extLst>
-          </p:cNvPr>
-          <p:cNvSpPr>
-            <a:spLocks noGrp="1"/>
-          </p:cNvSpPr>
-          <p:nvPr>
-            <p:ph idx="1"/>
-          </p:nvPr>
-        </p:nvSpPr>
-        <p:spPr>
-          <a:xfrm>
-            <a:off x="232100" y="1241081"/>
-            <a:ext cx="8321057" cy="689319"/>
-          </a:xfrm>
-        </p:spPr>
-        <p:txBody>
-          <a:bodyPr>
-            <a:normAutofit/>
-          </a:bodyPr>
-          <a:lstStyle/>
-          <a:p>
-            <a:r>
-              <a:rPr lang="en-IE" sz="2800" dirty="0"/>
-              <a:t>UML description by Remigija:</a:t>
-            </a:r>
-          </a:p>
-        </p:txBody>
-      </p:sp>
-      <p:pic>
-        <p:nvPicPr>
-          <p:cNvPr id="8" name="Picture 7">
-            <a:extLst>
-              <a:ext uri="{FF2B5EF4-FFF2-40B4-BE49-F238E27FC236}">
-                <a16:creationId xmlns:a16="http://schemas.microsoft.com/office/drawing/2014/main" id="{550C3779-1D15-4F28-84B7-1BAA664FCAA6}"/>
-              </a:ext>
-            </a:extLst>
-          </p:cNvPr>
-          <p:cNvPicPr>
-            <a:picLocks noChangeAspect="1"/>
-          </p:cNvPicPr>
-          <p:nvPr/>
-        </p:nvPicPr>
-        <p:blipFill rotWithShape="1">
-          <a:blip r:embed="rId2">
-            <a:extLst>
-              <a:ext uri="{28A0092B-C50C-407E-A947-70E740481C1C}">
-                <a14:useLocalDpi xmlns:a14="http://schemas.microsoft.com/office/drawing/2010/main" val="0"/>
-              </a:ext>
-            </a:extLst>
-          </a:blip>
-          <a:srcRect l="3251" t="2627" b="1583"/>
-          <a:stretch/>
-        </p:blipFill>
-        <p:spPr>
-          <a:xfrm>
-            <a:off x="338517" y="1930399"/>
-            <a:ext cx="9499717" cy="4611077"/>
-          </a:xfrm>
-          <a:prstGeom prst="rect">
-            <a:avLst/>
-          </a:prstGeom>
-        </p:spPr>
-      </p:pic>
-    </p:spTree>
-    <p:extLst>
-      <p:ext uri="{BB962C8B-B14F-4D97-AF65-F5344CB8AC3E}">
-        <p14:creationId xmlns:p14="http://schemas.microsoft.com/office/powerpoint/2010/main" val="1406252108"/>
-      </p:ext>
-    </p:extLst>
-  </p:cSld>
-  <p:clrMapOvr>
-    <a:masterClrMapping/>
-  </p:clrMapOvr>
-</p:sld>
-</file>
-
 <file path=ppt/slides/slide14.xml><?xml version="1.0" encoding="utf-8"?>
 <p:sld xmlns:a="http://schemas.openxmlformats.org/drawingml/2006/main" xmlns:r="http://schemas.openxmlformats.org/officeDocument/2006/relationships" xmlns:p="http://schemas.openxmlformats.org/presentationml/2006/main">
   <p:cSld>
@@ -6923,7 +6924,7 @@
           <a:p>
             <a:r>
               <a:rPr lang="en-IE" sz="2600" dirty="0"/>
-              <a:t>In addition, Black and White is also included. </a:t>
+              <a:t>Other colours used: Black and White. </a:t>
             </a:r>
           </a:p>
         </p:txBody>
@@ -6956,7 +6957,7 @@
         </p:blipFill>
         <p:spPr>
           <a:xfrm>
-            <a:off x="6631320" y="2063317"/>
+            <a:off x="6774169" y="1950201"/>
             <a:ext cx="1305107" cy="1362265"/>
           </a:xfrm>
           <a:prstGeom prst="ellipse">
@@ -7002,7 +7003,7 @@
         </p:nvSpPr>
         <p:spPr>
           <a:xfrm>
-            <a:off x="1041692" y="2541679"/>
+            <a:off x="1045972" y="2417971"/>
             <a:ext cx="4653685" cy="461665"/>
           </a:xfrm>
           <a:prstGeom prst="rect">
@@ -7037,7 +7038,7 @@
         </p:nvSpPr>
         <p:spPr>
           <a:xfrm>
-            <a:off x="5725484" y="2621065"/>
+            <a:off x="5812675" y="2537155"/>
             <a:ext cx="735458" cy="300527"/>
           </a:xfrm>
           <a:prstGeom prst="rightArrow">
@@ -7095,7 +7096,7 @@
         </p:blipFill>
         <p:spPr>
           <a:xfrm>
-            <a:off x="1070813" y="3157467"/>
+            <a:off x="1111913" y="3088393"/>
             <a:ext cx="1267002" cy="1324160"/>
           </a:xfrm>
           <a:prstGeom prst="ellipse">
@@ -7141,7 +7142,7 @@
         </p:nvSpPr>
         <p:spPr>
           <a:xfrm>
-            <a:off x="4223380" y="3588715"/>
+            <a:off x="4029257" y="3518331"/>
             <a:ext cx="5190979" cy="461665"/>
           </a:xfrm>
           <a:prstGeom prst="rect">
@@ -7176,7 +7177,7 @@
         </p:nvSpPr>
         <p:spPr>
           <a:xfrm rot="10800000">
-            <a:off x="2897150" y="3639905"/>
+            <a:off x="2759541" y="3595750"/>
             <a:ext cx="1083212" cy="309446"/>
           </a:xfrm>
           <a:prstGeom prst="rightArrow">
@@ -7234,7 +7235,7 @@
         </p:blipFill>
         <p:spPr>
           <a:xfrm>
-            <a:off x="7066669" y="4237075"/>
+            <a:off x="6818869" y="4326629"/>
             <a:ext cx="1352739" cy="1438476"/>
           </a:xfrm>
           <a:prstGeom prst="ellipse">
@@ -7280,7 +7281,7 @@
         </p:nvSpPr>
         <p:spPr>
           <a:xfrm>
-            <a:off x="1111914" y="4759458"/>
+            <a:off x="1111913" y="4774725"/>
             <a:ext cx="4653684" cy="461665"/>
           </a:xfrm>
           <a:prstGeom prst="rect">
@@ -7315,7 +7316,7 @@
         </p:nvSpPr>
         <p:spPr>
           <a:xfrm>
-            <a:off x="5748997" y="4811241"/>
+            <a:off x="5606343" y="4860486"/>
             <a:ext cx="946854" cy="290144"/>
           </a:xfrm>
           <a:prstGeom prst="rightArrow">
@@ -7425,7 +7426,25 @@
           <a:bodyPr/>
           <a:lstStyle/>
           <a:p>
-            <a:endParaRPr lang="en-IE"/>
+            <a:r>
+              <a:rPr lang="en-IE" sz="2800" dirty="0"/>
+              <a:t>There are many areas in which the company could improve, but at this point it is not clear what will be prioritised. </a:t>
+            </a:r>
+          </a:p>
+          <a:p>
+            <a:r>
+              <a:rPr lang="en-IE" sz="2800" dirty="0"/>
+              <a:t>However, with the $100,000 investment, there is no doubt that something will change. </a:t>
+            </a:r>
+          </a:p>
+          <a:p>
+            <a:r>
+              <a:rPr lang="en-IE" sz="2800" dirty="0"/>
+              <a:t>Whichever family member’s proposal for the investment is accepted, will decide where the company will head towards.</a:t>
+            </a:r>
+          </a:p>
+          <a:p>
+            <a:endParaRPr lang="en-IE" dirty="0"/>
           </a:p>
         </p:txBody>
       </p:sp>
@@ -7433,6 +7452,268 @@
     <p:extLst>
       <p:ext uri="{BB962C8B-B14F-4D97-AF65-F5344CB8AC3E}">
         <p14:creationId xmlns:p14="http://schemas.microsoft.com/office/powerpoint/2010/main" val="343262027"/>
+      </p:ext>
+    </p:extLst>
+  </p:cSld>
+  <p:clrMapOvr>
+    <a:masterClrMapping/>
+  </p:clrMapOvr>
+</p:sld>
+</file>
+
+<file path=ppt/slides/slide18.xml><?xml version="1.0" encoding="utf-8"?>
+<p:sld xmlns:a="http://schemas.openxmlformats.org/drawingml/2006/main" xmlns:r="http://schemas.openxmlformats.org/officeDocument/2006/relationships" xmlns:p="http://schemas.openxmlformats.org/presentationml/2006/main">
+  <p:cSld>
+    <p:spTree>
+      <p:nvGrpSpPr>
+        <p:cNvPr id="1" name=""/>
+        <p:cNvGrpSpPr/>
+        <p:nvPr/>
+      </p:nvGrpSpPr>
+      <p:grpSpPr>
+        <a:xfrm>
+          <a:off x="0" y="0"/>
+          <a:ext cx="0" cy="0"/>
+          <a:chOff x="0" y="0"/>
+          <a:chExt cx="0" cy="0"/>
+        </a:xfrm>
+      </p:grpSpPr>
+      <p:sp>
+        <p:nvSpPr>
+          <p:cNvPr id="4" name="Rectangle 3">
+            <a:extLst>
+              <a:ext uri="{FF2B5EF4-FFF2-40B4-BE49-F238E27FC236}">
+                <a16:creationId xmlns:a16="http://schemas.microsoft.com/office/drawing/2014/main" id="{405CF9CB-028C-4D56-BBE1-9B905FD7511C}"/>
+              </a:ext>
+            </a:extLst>
+          </p:cNvPr>
+          <p:cNvSpPr/>
+          <p:nvPr/>
+        </p:nvSpPr>
+        <p:spPr>
+          <a:xfrm>
+            <a:off x="1395380" y="229158"/>
+            <a:ext cx="7680960" cy="5036234"/>
+          </a:xfrm>
+          <a:prstGeom prst="rect">
+            <a:avLst/>
+          </a:prstGeom>
+          <a:solidFill>
+            <a:srgbClr val="DEDEDE"/>
+          </a:solidFill>
+          <a:effectLst>
+            <a:softEdge rad="419100"/>
+          </a:effectLst>
+          <a:scene3d>
+            <a:camera prst="orthographicFront"/>
+            <a:lightRig rig="threePt" dir="t"/>
+          </a:scene3d>
+          <a:sp3d>
+            <a:bevelT w="234950" h="184150"/>
+          </a:sp3d>
+        </p:spPr>
+        <p:style>
+          <a:lnRef idx="2">
+            <a:schemeClr val="dk1"/>
+          </a:lnRef>
+          <a:fillRef idx="1">
+            <a:schemeClr val="lt1"/>
+          </a:fillRef>
+          <a:effectRef idx="0">
+            <a:schemeClr val="dk1"/>
+          </a:effectRef>
+          <a:fontRef idx="minor">
+            <a:schemeClr val="dk1"/>
+          </a:fontRef>
+        </p:style>
+        <p:txBody>
+          <a:bodyPr rtlCol="0" anchor="ctr"/>
+          <a:lstStyle/>
+          <a:p>
+            <a:pPr algn="ctr"/>
+            <a:endParaRPr lang="en-IE"/>
+          </a:p>
+        </p:txBody>
+      </p:sp>
+      <p:pic>
+        <p:nvPicPr>
+          <p:cNvPr id="3" name="Picture 2">
+            <a:extLst>
+              <a:ext uri="{FF2B5EF4-FFF2-40B4-BE49-F238E27FC236}">
+                <a16:creationId xmlns:a16="http://schemas.microsoft.com/office/drawing/2014/main" id="{89CCBA8D-C413-4EB9-A949-5B567361DD66}"/>
+              </a:ext>
+            </a:extLst>
+          </p:cNvPr>
+          <p:cNvPicPr>
+            <a:picLocks noChangeAspect="1"/>
+          </p:cNvPicPr>
+          <p:nvPr/>
+        </p:nvPicPr>
+        <p:blipFill>
+          <a:blip r:embed="rId2">
+            <a:extLst>
+              <a:ext uri="{BEBA8EAE-BF5A-486C-A8C5-ECC9F3942E4B}">
+                <a14:imgProps xmlns:a14="http://schemas.microsoft.com/office/drawing/2010/main">
+                  <a14:imgLayer r:embed="rId3">
+                    <a14:imgEffect>
+                      <a14:artisticGlowEdges/>
+                    </a14:imgEffect>
+                  </a14:imgLayer>
+                </a14:imgProps>
+              </a:ext>
+              <a:ext uri="{28A0092B-C50C-407E-A947-70E740481C1C}">
+                <a14:useLocalDpi xmlns:a14="http://schemas.microsoft.com/office/drawing/2010/main" val="0"/>
+              </a:ext>
+            </a:extLst>
+          </a:blip>
+          <a:stretch>
+            <a:fillRect/>
+          </a:stretch>
+        </p:blipFill>
+        <p:spPr>
+          <a:xfrm>
+            <a:off x="1187735" y="133350"/>
+            <a:ext cx="8096250" cy="6724650"/>
+          </a:xfrm>
+          <a:prstGeom prst="rect">
+            <a:avLst/>
+          </a:prstGeom>
+          <a:effectLst>
+            <a:outerShdw blurRad="76200" dir="13500000" sy="23000" kx="1200000" algn="br" rotWithShape="0">
+              <a:prstClr val="black">
+                <a:alpha val="20000"/>
+              </a:prstClr>
+            </a:outerShdw>
+          </a:effectLst>
+          <a:scene3d>
+            <a:camera prst="orthographicFront"/>
+            <a:lightRig rig="threePt" dir="t"/>
+          </a:scene3d>
+          <a:sp3d>
+            <a:bevelT w="101600" prst="riblet"/>
+          </a:sp3d>
+        </p:spPr>
+      </p:pic>
+      <p:sp>
+        <p:nvSpPr>
+          <p:cNvPr id="5" name="Rectangle 4">
+            <a:extLst>
+              <a:ext uri="{FF2B5EF4-FFF2-40B4-BE49-F238E27FC236}">
+                <a16:creationId xmlns:a16="http://schemas.microsoft.com/office/drawing/2014/main" id="{D3BCF152-1883-4848-A2BF-7E0E76899B37}"/>
+              </a:ext>
+            </a:extLst>
+          </p:cNvPr>
+          <p:cNvSpPr/>
+          <p:nvPr/>
+        </p:nvSpPr>
+        <p:spPr>
+          <a:xfrm>
+            <a:off x="2685531" y="1845826"/>
+            <a:ext cx="5100658" cy="1323439"/>
+          </a:xfrm>
+          <a:prstGeom prst="rect">
+            <a:avLst/>
+          </a:prstGeom>
+          <a:noFill/>
+          <a:ln>
+            <a:noFill/>
+          </a:ln>
+        </p:spPr>
+        <p:txBody>
+          <a:bodyPr wrap="square" lIns="91440" tIns="45720" rIns="91440" bIns="45720">
+            <a:prstTxWarp prst="textChevronInverted">
+              <a:avLst/>
+            </a:prstTxWarp>
+            <a:spAutoFit/>
+          </a:bodyPr>
+          <a:lstStyle/>
+          <a:p>
+            <a:pPr algn="ctr"/>
+            <a:r>
+              <a:rPr lang="en-US" sz="8000" b="1" dirty="0">
+                <a:ln w="9525">
+                  <a:solidFill>
+                    <a:schemeClr val="bg1"/>
+                  </a:solidFill>
+                  <a:prstDash val="solid"/>
+                </a:ln>
+                <a:solidFill>
+                  <a:srgbClr val="23517B"/>
+                </a:solidFill>
+                <a:effectLst>
+                  <a:glow rad="63500">
+                    <a:schemeClr val="accent2">
+                      <a:satMod val="175000"/>
+                      <a:alpha val="40000"/>
+                    </a:schemeClr>
+                  </a:glow>
+                  <a:outerShdw blurRad="60007" dist="310007" dir="7680000" sy="30000" kx="1300200" algn="ctr" rotWithShape="0">
+                    <a:prstClr val="black">
+                      <a:alpha val="32000"/>
+                    </a:prstClr>
+                  </a:outerShdw>
+                </a:effectLst>
+              </a:rPr>
+              <a:t>THE</a:t>
+            </a:r>
+            <a:r>
+              <a:rPr lang="en-US" sz="8000" b="1" dirty="0">
+                <a:ln w="9525">
+                  <a:solidFill>
+                    <a:schemeClr val="bg1"/>
+                  </a:solidFill>
+                  <a:prstDash val="solid"/>
+                </a:ln>
+                <a:effectLst>
+                  <a:glow rad="63500">
+                    <a:schemeClr val="accent2">
+                      <a:satMod val="175000"/>
+                      <a:alpha val="40000"/>
+                    </a:schemeClr>
+                  </a:glow>
+                  <a:outerShdw blurRad="60007" dist="310007" dir="7680000" sy="30000" kx="1300200" algn="ctr" rotWithShape="0">
+                    <a:prstClr val="black">
+                      <a:alpha val="32000"/>
+                    </a:prstClr>
+                  </a:outerShdw>
+                </a:effectLst>
+              </a:rPr>
+              <a:t> </a:t>
+            </a:r>
+            <a:r>
+              <a:rPr lang="en-US" sz="8000" b="1" dirty="0">
+                <a:ln w="9525">
+                  <a:solidFill>
+                    <a:schemeClr val="bg1"/>
+                  </a:solidFill>
+                  <a:prstDash val="solid"/>
+                </a:ln>
+                <a:solidFill>
+                  <a:srgbClr val="23517B"/>
+                </a:solidFill>
+                <a:effectLst>
+                  <a:glow rad="63500">
+                    <a:schemeClr val="accent2">
+                      <a:satMod val="175000"/>
+                      <a:alpha val="40000"/>
+                    </a:schemeClr>
+                  </a:glow>
+                  <a:outerShdw blurRad="60007" dist="310007" dir="7680000" sy="30000" kx="1300200" algn="ctr" rotWithShape="0">
+                    <a:prstClr val="black">
+                      <a:alpha val="32000"/>
+                    </a:prstClr>
+                  </a:outerShdw>
+                </a:effectLst>
+              </a:rPr>
+              <a:t>END</a:t>
+            </a:r>
+          </a:p>
+        </p:txBody>
+      </p:sp>
+    </p:spTree>
+    <p:extLst>
+      <p:ext uri="{BB962C8B-B14F-4D97-AF65-F5344CB8AC3E}">
+        <p14:creationId xmlns:p14="http://schemas.microsoft.com/office/powerpoint/2010/main" val="4259361620"/>
       </p:ext>
     </p:extLst>
   </p:cSld>
